--- a/dos/React.pptx
+++ b/dos/React.pptx
@@ -5,22 +5,16 @@
     <p:sldMasterId id="2147483648" r:id="rId1"/>
   </p:sldMasterIdLst>
   <p:sldIdLst>
-    <p:sldId id="256" r:id="rId3"/>
-    <p:sldId id="257" r:id="rId4"/>
-    <p:sldId id="260" r:id="rId5"/>
-    <p:sldId id="261" r:id="rId6"/>
-    <p:sldId id="259" r:id="rId7"/>
-    <p:sldId id="258" r:id="rId8"/>
-    <p:sldId id="264" r:id="rId9"/>
-    <p:sldId id="265" r:id="rId10"/>
-    <p:sldId id="266" r:id="rId11"/>
-    <p:sldId id="268" r:id="rId12"/>
-    <p:sldId id="269" r:id="rId13"/>
-    <p:sldId id="273" r:id="rId14"/>
-    <p:sldId id="274" r:id="rId15"/>
-    <p:sldId id="275" r:id="rId16"/>
-    <p:sldId id="277" r:id="rId17"/>
-    <p:sldId id="272" r:id="rId18"/>
+    <p:sldId id="257" r:id="rId3"/>
+    <p:sldId id="260" r:id="rId4"/>
+    <p:sldId id="272" r:id="rId5"/>
+    <p:sldId id="280" r:id="rId6"/>
+    <p:sldId id="283" r:id="rId7"/>
+    <p:sldId id="281" r:id="rId8"/>
+    <p:sldId id="285" r:id="rId9"/>
+    <p:sldId id="286" r:id="rId10"/>
+    <p:sldId id="288" r:id="rId11"/>
+    <p:sldId id="289" r:id="rId12"/>
   </p:sldIdLst>
   <p:sldSz cx="12192000" cy="6858000"/>
   <p:notesSz cx="6858000" cy="9144000"/>
@@ -2948,8 +2942,8 @@
         </p:nvSpPr>
         <p:spPr>
           <a:xfrm>
-            <a:off x="1524000" y="555625"/>
-            <a:ext cx="9144000" cy="1367155"/>
+            <a:off x="1270000" y="55880"/>
+            <a:ext cx="5925820" cy="696595"/>
           </a:xfrm>
         </p:spPr>
         <p:txBody>
@@ -2959,10 +2953,10 @@
           <a:lstStyle/>
           <a:p>
             <a:r>
-              <a:rPr lang="en-US" altLang="en-US" dirty="0"/>
-              <a:t>3 Lựa Chọn Phổ Biến Trong React.js</a:t>
-            </a:r>
-            <a:endParaRPr lang="en-US" altLang="en-US" dirty="0"/>
+              <a:rPr lang="en-US" altLang="en-US" sz="2800" dirty="0"/>
+              <a:t>Next.js framework được xây dựng giúp mở rộng reacjs</a:t>
+            </a:r>
+            <a:endParaRPr lang="en-US" altLang="en-US" sz="2800" dirty="0"/>
           </a:p>
         </p:txBody>
       </p:sp>
@@ -2978,33 +2972,25 @@
         </p:nvSpPr>
         <p:spPr>
           <a:xfrm>
-            <a:off x="859790" y="2362835"/>
+            <a:off x="466725" y="1628140"/>
             <a:ext cx="9808210" cy="2894965"/>
           </a:xfrm>
         </p:spPr>
         <p:txBody>
           <a:bodyPr>
-            <a:normAutofit fontScale="70000"/>
+            <a:normAutofit/>
           </a:bodyPr>
           <a:lstStyle/>
-          <a:p>
-            <a:pPr lvl="1" algn="l"/>
-            <a:r>
-              <a:rPr lang="en-US" altLang="en-US"/>
-              <a:t>1. Next.js</a:t>
-            </a:r>
-            <a:endParaRPr lang="en-US" altLang="en-US"/>
-          </a:p>
           <a:p>
             <a:pPr marL="800100" lvl="1" indent="-342900" algn="l">
               <a:buFont typeface="Arial" panose="020B0604020202020204" pitchFamily="34" charset="0"/>
               <a:buChar char="•"/>
             </a:pPr>
             <a:r>
-              <a:rPr lang="en-US" altLang="en-US"/>
-              <a:t>Framework hỗ trợ full-stack React apps</a:t>
-            </a:r>
-            <a:endParaRPr lang="en-US" altLang="en-US"/>
+              <a:rPr lang="en-US" altLang="en-US" sz="1800"/>
+              <a:t>Hỗ trợ Full-stack (có thể viết cả API backend ngay trong dự án nếu cần).</a:t>
+            </a:r>
+            <a:endParaRPr lang="en-US" altLang="en-US" sz="1800"/>
           </a:p>
           <a:p>
             <a:pPr marL="800100" lvl="1" indent="-342900" algn="l">
@@ -3012,20 +2998,14 @@
               <a:buChar char="•"/>
             </a:pPr>
             <a:r>
-              <a:rPr lang="en-US" altLang="en-US"/>
-              <a:t>Có thể viết API backend ngay trong dự án.</a:t>
-            </a:r>
-            <a:endParaRPr lang="en-US" altLang="en-US"/>
-          </a:p>
-          <a:p>
-            <a:pPr lvl="1" algn="l">
-              <a:buFont typeface="Arial" panose="020B0604020202020204" pitchFamily="34" charset="0"/>
-            </a:pPr>
-            <a:r>
-              <a:rPr lang="en-US" altLang="en-US"/>
-              <a:t>2. React Router (v7)</a:t>
-            </a:r>
-            <a:endParaRPr lang="en-US" altLang="en-US"/>
+              <a:rPr lang="en-US" altLang="en-US" sz="1800"/>
+              <a:t>Hỗ trợ Server-side Rendering (SSR) giúp cải thiện SEO và tốc đ</a:t>
+            </a:r>
+            <a:r>
+              <a:rPr lang="en-US" altLang="en-US" sz="1800"/>
+              <a:t>ộ tải trang.</a:t>
+            </a:r>
+            <a:endParaRPr lang="en-US" altLang="en-US" sz="1800"/>
           </a:p>
           <a:p>
             <a:pPr marL="800100" lvl="1" indent="-342900" algn="l">
@@ -3033,18 +3013,14 @@
               <a:buChar char="•"/>
             </a:pPr>
             <a:r>
-              <a:rPr lang="en-US" altLang="en-US"/>
-              <a:t>Th</a:t>
-            </a:r>
-            <a:r>
-              <a:rPr lang="en-US" altLang="en-US"/>
-              <a:t>ư</a:t>
-            </a:r>
-            <a:r>
-              <a:rPr lang="en-US" altLang="en-US"/>
-              <a:t> viện routing phổ biến cho React.</a:t>
-            </a:r>
-            <a:endParaRPr lang="en-US" altLang="en-US"/>
+              <a:rPr lang="en-US" altLang="en-US" sz="1800"/>
+              <a:t>Có sẵn nhiều thư</a:t>
+            </a:r>
+            <a:r>
+              <a:rPr lang="en-US" altLang="en-US" sz="1800"/>
+              <a:t> viện, plugin hỗ trợ nên xây dựng ứng dụng nhanh hơn React thuần.</a:t>
+            </a:r>
+            <a:endParaRPr lang="en-US" altLang="en-US" sz="1800"/>
           </a:p>
           <a:p>
             <a:pPr marL="800100" lvl="1" indent="-342900" algn="l">
@@ -3052,18 +3028,10 @@
               <a:buChar char="•"/>
             </a:pPr>
             <a:r>
-              <a:rPr lang="en-US" altLang="en-US"/>
-              <a:t>Kết hợp với Vite </a:t>
-            </a:r>
-            <a:r>
-              <a:rPr lang="en-US" altLang="en-US"/>
-              <a:t>đ</a:t>
-            </a:r>
-            <a:r>
-              <a:rPr lang="en-US" altLang="en-US"/>
-              <a:t>ể tạo ứng dụng React full-stack</a:t>
-            </a:r>
-            <a:endParaRPr lang="en-US" altLang="en-US"/>
+              <a:rPr lang="en-US" altLang="en-US" sz="1800"/>
+              <a:t>Có sẵn thư viện redux toolkit dễ dàng quản lý trạng tháng state biến tương tự như angular có ngrx/store tuy nhiên cấu trúc đơn giản và dễ triển khai hơn</a:t>
+            </a:r>
+            <a:endParaRPr lang="en-US" altLang="en-US" sz="1800"/>
           </a:p>
           <a:p>
             <a:pPr marL="800100" lvl="1" indent="-342900" algn="l">
@@ -3071,65 +3039,21 @@
               <a:buChar char="•"/>
             </a:pPr>
             <a:r>
-              <a:rPr lang="en-US" altLang="en-US"/>
-              <a:t>Hỗ trợ SPA (Single Page Application) hiệu quả.</a:t>
-            </a:r>
-            <a:endParaRPr lang="en-US" altLang="en-US"/>
-          </a:p>
-          <a:p>
-            <a:pPr lvl="1" algn="l">
-              <a:buFont typeface="Arial" panose="020B0604020202020204" pitchFamily="34" charset="0"/>
-            </a:pPr>
-            <a:r>
-              <a:rPr lang="en-US" altLang="en-US"/>
-              <a:t>3.Expo (React Native)</a:t>
-            </a:r>
-            <a:endParaRPr lang="en-US" altLang="en-US"/>
-          </a:p>
-          <a:p>
-            <a:pPr marL="742950" lvl="1" indent="-285750" algn="l">
+              <a:rPr lang="en-US" altLang="en-US" sz="1800"/>
+              <a:t>Sử dụng typescrip để dễ dàng quản lý và mở rộng dự án hơn.</a:t>
+            </a:r>
+            <a:endParaRPr lang="en-US" altLang="en-US" sz="1800"/>
+          </a:p>
+          <a:p>
+            <a:pPr marL="800100" lvl="1" indent="-342900" algn="l">
               <a:buFont typeface="Arial" panose="020B0604020202020204" pitchFamily="34" charset="0"/>
               <a:buChar char="•"/>
             </a:pPr>
             <a:r>
-              <a:rPr lang="en-US" altLang="en-US"/>
-              <a:t> Dành cho ứng dụng mobile (iOS, Android, Web).</a:t>
-            </a:r>
-            <a:endParaRPr lang="en-US" altLang="en-US"/>
-          </a:p>
-          <a:p>
-            <a:pPr marL="742950" lvl="1" indent="-285750" algn="l">
-              <a:buFont typeface="Arial" panose="020B0604020202020204" pitchFamily="34" charset="0"/>
-              <a:buChar char="•"/>
-            </a:pPr>
-            <a:r>
-              <a:rPr lang="en-US" altLang="en-US"/>
-              <a:t> Xây dựng UI gốc mà không cần code native.</a:t>
-            </a:r>
-            <a:endParaRPr lang="en-US" altLang="en-US"/>
-          </a:p>
-          <a:p>
-            <a:pPr marL="742950" lvl="1" indent="-285750" algn="l">
-              <a:buFont typeface="Arial" panose="020B0604020202020204" pitchFamily="34" charset="0"/>
-              <a:buChar char="•"/>
-            </a:pPr>
-            <a:r>
-              <a:rPr lang="en-US" altLang="en-US"/>
-              <a:t> Dễ dàng xuất bản lên Google Play và App Store.</a:t>
-            </a:r>
-            <a:endParaRPr lang="en-US" altLang="en-US"/>
-          </a:p>
-          <a:p>
-            <a:pPr lvl="1" algn="l">
-              <a:buFont typeface="Arial" panose="020B0604020202020204" pitchFamily="34" charset="0"/>
-            </a:pPr>
-            <a:endParaRPr lang="en-US" altLang="en-US"/>
-          </a:p>
-          <a:p>
-            <a:pPr lvl="1" algn="l">
-              <a:buFont typeface="Arial" panose="020B0604020202020204" pitchFamily="34" charset="0"/>
-            </a:pPr>
-            <a:endParaRPr lang="en-US" altLang="en-US"/>
+              <a:rPr lang="en-US" altLang="en-US" sz="1800"/>
+              <a:t>SEO tốt hơn nhờ SSR &amp; SSG.</a:t>
+            </a:r>
+            <a:endParaRPr lang="en-US" altLang="en-US" sz="1800"/>
           </a:p>
         </p:txBody>
       </p:sp>
@@ -3161,240 +3085,27 @@
             <p:ph type="title"/>
           </p:nvPr>
         </p:nvSpPr>
-        <p:spPr/>
-        <p:txBody>
-          <a:bodyPr/>
-          <a:lstStyle/>
-          <a:p>
-            <a:r>
-              <a:t>Cách Component Liên Kết Trong ReactJS</a:t>
-            </a:r>
-          </a:p>
-        </p:txBody>
-      </p:sp>
-      <p:sp>
-        <p:nvSpPr>
-          <p:cNvPr id="3" name="TextBox 2"/>
-          <p:cNvSpPr txBox="1"/>
-          <p:nvPr/>
-        </p:nvSpPr>
-        <p:spPr>
-          <a:xfrm>
-            <a:off x="914400" y="1371600"/>
-            <a:ext cx="7315200" cy="4572000"/>
-          </a:xfrm>
-          <a:prstGeom prst="rect">
-            <a:avLst/>
-          </a:prstGeom>
-          <a:noFill/>
-        </p:spPr>
-        <p:txBody>
-          <a:bodyPr wrap="none">
-            <a:spAutoFit/>
-          </a:bodyPr>
-          <a:lstStyle/>
-          <a:p>
-            <a:r>
-              <a:t>- React sử dụng Component-Based Architecture.</a:t>
-            </a:r>
-          </a:p>
-          <a:p>
-            <a:r>
-              <a:t>- Mỗi component có thể là stateful hoặc stateless.</a:t>
-            </a:r>
-          </a:p>
-          <a:p>
-            <a:r>
-              <a:t>- Component cha có thể truyền dữ liệu xuống component con qua props.</a:t>
-            </a:r>
-          </a:p>
-          <a:p>
-            <a:r>
-              <a:t>- Các component có thể giao tiếp qua Context API hoặc Redux.</a:t>
-            </a:r>
-          </a:p>
-          <a:p>
-            <a:r>
-              <a:t>- Ví dụ minh họa:</a:t>
-            </a:r>
-          </a:p>
-          <a:p>
-            <a:r>
-              <a:t>  + App.js → chứa component chính.</a:t>
-            </a:r>
-          </a:p>
-          <a:p>
-            <a:r>
-              <a:t>  + Header.js, Footer.js → Component con.</a:t>
-            </a:r>
-          </a:p>
-          <a:p>
-            <a:r>
-              <a:t>  + Button.js → Component nhỏ được dùng trong nhiều nơi.</a:t>
-            </a:r>
-          </a:p>
-        </p:txBody>
-      </p:sp>
-    </p:spTree>
-  </p:cSld>
-  <p:clrMapOvr>
-    <a:masterClrMapping/>
-  </p:clrMapOvr>
-</p:sld>
-</file>
-
-<file path=ppt/slides/slide11.xml><?xml version="1.0" encoding="utf-8"?>
-<p:sld xmlns:a="http://schemas.openxmlformats.org/drawingml/2006/main" xmlns:r="http://schemas.openxmlformats.org/officeDocument/2006/relationships" xmlns:p="http://schemas.openxmlformats.org/presentationml/2006/main">
-  <p:cSld>
-    <p:spTree>
-      <p:nvGrpSpPr>
-        <p:cNvPr id="1" name=""/>
-        <p:cNvGrpSpPr/>
-        <p:nvPr/>
-      </p:nvGrpSpPr>
-      <p:grpSpPr/>
-      <p:sp>
-        <p:nvSpPr>
-          <p:cNvPr id="2" name="Title 1"/>
-          <p:cNvSpPr>
-            <a:spLocks noGrp="1"/>
-          </p:cNvSpPr>
-          <p:nvPr>
-            <p:ph type="title"/>
-          </p:nvPr>
-        </p:nvSpPr>
-        <p:spPr/>
-        <p:txBody>
-          <a:bodyPr/>
-          <a:lstStyle/>
-          <a:p>
-            <a:r>
-              <a:t>Cách File CSS Được Đọc Trong ReactJS</a:t>
-            </a:r>
-          </a:p>
-        </p:txBody>
-      </p:sp>
-      <p:sp>
-        <p:nvSpPr>
-          <p:cNvPr id="3" name="TextBox 2"/>
-          <p:cNvSpPr txBox="1"/>
-          <p:nvPr/>
-        </p:nvSpPr>
-        <p:spPr>
-          <a:xfrm>
-            <a:off x="914400" y="1371600"/>
-            <a:ext cx="7315200" cy="4572000"/>
-          </a:xfrm>
-          <a:prstGeom prst="rect">
-            <a:avLst/>
-          </a:prstGeom>
-          <a:noFill/>
-        </p:spPr>
-        <p:txBody>
-          <a:bodyPr wrap="none">
-            <a:spAutoFit/>
-          </a:bodyPr>
-          <a:lstStyle/>
-          <a:p>
-            <a:r>
-              <a:t>- Có nhiều cách để dùng CSS trong ReactJS:</a:t>
-            </a:r>
-          </a:p>
-          <a:p>
-            <a:r>
-              <a:t>  1. Import file CSS vào component: `import './App.css';`</a:t>
-            </a:r>
-          </a:p>
-          <a:p>
-            <a:r>
-              <a:t>  2. CSS Modules: `import styles from './Button.module.css';`</a:t>
-            </a:r>
-          </a:p>
-          <a:p>
-            <a:r>
-              <a:t>  3. Styled Components: Viết CSS trong JavaScript.</a:t>
-            </a:r>
-          </a:p>
-          <a:p>
-            <a:r>
-              <a:t>- React xử lý CSS bằng cách phân tách từng component để tránh xung đột.</a:t>
-            </a:r>
-          </a:p>
-          <a:p>
-            <a:r>
-              <a:t>- Ví dụ:</a:t>
-            </a:r>
-          </a:p>
-          <a:p>
-            <a:r>
-              <a:t>  import './App.css';</a:t>
-            </a:r>
-          </a:p>
-          <a:p>
-            <a:r>
-              <a:t>  function App() {</a:t>
-            </a:r>
-          </a:p>
-          <a:p>
-            <a:r>
-              <a:t>    return &lt;h1 className='title'&gt;Hello React&lt;/h1&gt;;</a:t>
-            </a:r>
-          </a:p>
-          <a:p>
-            <a:r>
-              <a:t>  }</a:t>
-            </a:r>
-          </a:p>
-        </p:txBody>
-      </p:sp>
-    </p:spTree>
-  </p:cSld>
-  <p:clrMapOvr>
-    <a:masterClrMapping/>
-  </p:clrMapOvr>
-</p:sld>
-</file>
-
-<file path=ppt/slides/slide12.xml><?xml version="1.0" encoding="utf-8"?>
-<p:sld xmlns:a="http://schemas.openxmlformats.org/drawingml/2006/main" xmlns:r="http://schemas.openxmlformats.org/officeDocument/2006/relationships" xmlns:p="http://schemas.openxmlformats.org/presentationml/2006/main">
-  <p:cSld>
-    <p:spTree>
-      <p:nvGrpSpPr>
-        <p:cNvPr id="1" name=""/>
-        <p:cNvGrpSpPr/>
-        <p:nvPr/>
-      </p:nvGrpSpPr>
-      <p:grpSpPr/>
-      <p:sp>
-        <p:nvSpPr>
-          <p:cNvPr id="2" name="Title 1"/>
-          <p:cNvSpPr>
-            <a:spLocks noGrp="1"/>
-          </p:cNvSpPr>
-          <p:nvPr>
-            <p:ph type="title"/>
-          </p:nvPr>
-        </p:nvSpPr>
-        <p:spPr>
-          <a:xfrm>
-            <a:off x="838200" y="0"/>
-            <a:ext cx="10515600" cy="1325563"/>
-          </a:xfrm>
-        </p:spPr>
-        <p:txBody>
-          <a:bodyPr/>
-          <a:p>
-            <a:r>
-              <a:rPr lang="en-US"/>
-              <a:t>Cấu trúc tổ chức redux toolkit trong next js</a:t>
-            </a:r>
-            <a:endParaRPr lang="en-US"/>
+        <p:spPr>
+          <a:xfrm>
+            <a:off x="428625" y="-150495"/>
+            <a:ext cx="8837295" cy="1227455"/>
+          </a:xfrm>
+        </p:spPr>
+        <p:txBody>
+          <a:bodyPr/>
+          <a:lstStyle/>
+          <a:p>
+            <a:r>
+              <a:rPr lang="en-US" altLang="en-US" sz="1800"/>
+              <a:t>Định nghĩa component sử dụng chung FormSearch</a:t>
+            </a:r>
+            <a:endParaRPr lang="en-US" altLang="en-US" sz="1800"/>
           </a:p>
         </p:txBody>
       </p:sp>
       <p:pic>
         <p:nvPicPr>
-          <p:cNvPr id="5" name="Picture 4"/>
+          <p:cNvPr id="6" name="Picture 5"/>
           <p:cNvPicPr>
             <a:picLocks noChangeAspect="1"/>
           </p:cNvPicPr>
@@ -3408,59 +3119,46 @@
         </p:blipFill>
         <p:spPr>
           <a:xfrm>
-            <a:off x="2371725" y="1600835"/>
-            <a:ext cx="5780405" cy="3524250"/>
+            <a:off x="337185" y="1168400"/>
+            <a:ext cx="7134225" cy="1533525"/>
           </a:xfrm>
           <a:prstGeom prst="rect">
             <a:avLst/>
           </a:prstGeom>
         </p:spPr>
       </p:pic>
-    </p:spTree>
-  </p:cSld>
-  <p:clrMapOvr>
-    <a:masterClrMapping/>
-  </p:clrMapOvr>
-</p:sld>
-</file>
-
-<file path=ppt/slides/slide13.xml><?xml version="1.0" encoding="utf-8"?>
-<p:sld xmlns:a="http://schemas.openxmlformats.org/drawingml/2006/main" xmlns:r="http://schemas.openxmlformats.org/officeDocument/2006/relationships" xmlns:p="http://schemas.openxmlformats.org/presentationml/2006/main">
-  <p:cSld>
-    <p:spTree>
-      <p:nvGrpSpPr>
-        <p:cNvPr id="1" name=""/>
-        <p:cNvGrpSpPr/>
-        <p:nvPr/>
-      </p:nvGrpSpPr>
-      <p:grpSpPr/>
-      <p:pic>
-        <p:nvPicPr>
-          <p:cNvPr id="3" name="Picture 2"/>
-          <p:cNvPicPr>
-            <a:picLocks noChangeAspect="1"/>
-          </p:cNvPicPr>
+      <p:sp>
+        <p:nvSpPr>
+          <p:cNvPr id="10" name="Text Box 9"/>
+          <p:cNvSpPr txBox="1"/>
           <p:nvPr/>
-        </p:nvPicPr>
-        <p:blipFill>
-          <a:blip r:embed="rId1"/>
-          <a:stretch>
-            <a:fillRect/>
-          </a:stretch>
-        </p:blipFill>
-        <p:spPr>
-          <a:xfrm>
-            <a:off x="6477635" y="-455295"/>
-            <a:ext cx="8724900" cy="3914775"/>
+        </p:nvSpPr>
+        <p:spPr>
+          <a:xfrm>
+            <a:off x="382905" y="800100"/>
+            <a:ext cx="4070985" cy="368300"/>
           </a:xfrm>
           <a:prstGeom prst="rect">
             <a:avLst/>
           </a:prstGeom>
-        </p:spPr>
-      </p:pic>
+          <a:noFill/>
+        </p:spPr>
+        <p:txBody>
+          <a:bodyPr wrap="square" rtlCol="0">
+            <a:spAutoFit/>
+          </a:bodyPr>
+          <a:p>
+            <a:r>
+              <a:rPr lang="en-US"/>
+              <a:t>Các tham số truyền vào component</a:t>
+            </a:r>
+            <a:endParaRPr lang="en-US"/>
+          </a:p>
+        </p:txBody>
+      </p:sp>
       <p:pic>
         <p:nvPicPr>
-          <p:cNvPr id="6" name="Picture 5"/>
+          <p:cNvPr id="12" name="Picture 11"/>
           <p:cNvPicPr>
             <a:picLocks noChangeAspect="1"/>
           </p:cNvPicPr>
@@ -3474,331 +3172,24 @@
         </p:blipFill>
         <p:spPr>
           <a:xfrm>
-            <a:off x="956945" y="-714375"/>
-            <a:ext cx="5229860" cy="4432300"/>
+            <a:off x="382905" y="2701925"/>
+            <a:ext cx="6372225" cy="1666875"/>
           </a:xfrm>
           <a:prstGeom prst="rect">
             <a:avLst/>
           </a:prstGeom>
         </p:spPr>
       </p:pic>
-      <p:pic>
-        <p:nvPicPr>
-          <p:cNvPr id="7" name="Picture 6"/>
-          <p:cNvPicPr>
-            <a:picLocks noChangeAspect="1"/>
-          </p:cNvPicPr>
-          <p:nvPr/>
-        </p:nvPicPr>
-        <p:blipFill>
-          <a:blip r:embed="rId3"/>
-          <a:stretch>
-            <a:fillRect/>
-          </a:stretch>
-        </p:blipFill>
-        <p:spPr>
-          <a:xfrm>
-            <a:off x="956945" y="3717925"/>
-            <a:ext cx="6534150" cy="3832860"/>
-          </a:xfrm>
-          <a:prstGeom prst="rect">
-            <a:avLst/>
-          </a:prstGeom>
-        </p:spPr>
-      </p:pic>
-    </p:spTree>
-  </p:cSld>
-  <p:clrMapOvr>
-    <a:masterClrMapping/>
-  </p:clrMapOvr>
-</p:sld>
-</file>
-
-<file path=ppt/slides/slide14.xml><?xml version="1.0" encoding="utf-8"?>
-<p:sld xmlns:a="http://schemas.openxmlformats.org/drawingml/2006/main" xmlns:r="http://schemas.openxmlformats.org/officeDocument/2006/relationships" xmlns:p="http://schemas.openxmlformats.org/presentationml/2006/main">
-  <p:cSld>
-    <p:spTree>
-      <p:nvGrpSpPr>
-        <p:cNvPr id="1" name=""/>
-        <p:cNvGrpSpPr/>
-        <p:nvPr/>
-      </p:nvGrpSpPr>
-      <p:grpSpPr/>
-      <p:sp>
-        <p:nvSpPr>
-          <p:cNvPr id="10" name="Rectangles 9"/>
-          <p:cNvSpPr/>
-          <p:nvPr/>
-        </p:nvSpPr>
-        <p:spPr>
-          <a:xfrm>
-            <a:off x="123825" y="111125"/>
-            <a:ext cx="6509385" cy="1993900"/>
-          </a:xfrm>
-          <a:prstGeom prst="rect">
-            <a:avLst/>
-          </a:prstGeom>
-        </p:spPr>
-        <p:style>
-          <a:lnRef idx="2">
-            <a:schemeClr val="accent1">
-              <a:lumMod val="75000"/>
-            </a:schemeClr>
-          </a:lnRef>
-          <a:fillRef idx="1">
-            <a:schemeClr val="accent1"/>
-          </a:fillRef>
-          <a:effectRef idx="0">
-            <a:srgbClr val="FFFFFF"/>
-          </a:effectRef>
-          <a:fontRef idx="minor">
-            <a:schemeClr val="lt1"/>
-          </a:fontRef>
-        </p:style>
-        <p:txBody>
-          <a:bodyPr rtlCol="0" anchor="ctr"/>
-          <a:p>
-            <a:pPr algn="l"/>
-            <a:r>
-              <a:rPr lang="en-US" altLang="en-US" sz="1400"/>
-              <a:t>Khi component mount, useEffect gọi dispatch(searchMyProgramAction({})).</a:t>
-            </a:r>
-            <a:endParaRPr lang="en-US" altLang="en-US" sz="1400"/>
-          </a:p>
-          <a:p>
-            <a:pPr algn="l"/>
-            <a:r>
-              <a:rPr lang="en-US" altLang="en-US" sz="1400"/>
-              <a:t>Action searchMyProgramAction chạy:</a:t>
-            </a:r>
-            <a:endParaRPr lang="en-US" altLang="en-US" sz="1400"/>
-          </a:p>
-          <a:p>
-            <a:pPr algn="l"/>
-            <a:r>
-              <a:rPr lang="en-US" altLang="en-US" sz="1400"/>
-              <a:t>Gửi request API </a:t>
-            </a:r>
-            <a:r>
-              <a:rPr lang="" altLang="en-US" sz="1400"/>
-              <a:t>đ</a:t>
-            </a:r>
-            <a:r>
-              <a:rPr lang="en-US" altLang="en-US" sz="1400"/>
-              <a:t>ể lấy dữ liệu (myProgramService.searchMyProgram()).</a:t>
-            </a:r>
-            <a:endParaRPr lang="en-US" altLang="en-US" sz="1400"/>
-          </a:p>
-          <a:p>
-            <a:pPr algn="l"/>
-            <a:r>
-              <a:rPr lang="en-US" altLang="en-US" sz="1400"/>
-              <a:t>Khi API trả về dữ liệu, Redux store cập nhật state trong myprogramSlice.</a:t>
-            </a:r>
-            <a:endParaRPr lang="en-US" altLang="en-US" sz="1400"/>
-          </a:p>
-          <a:p>
-            <a:pPr algn="l"/>
-            <a:r>
-              <a:rPr lang="en-US" altLang="en-US" sz="1400"/>
-              <a:t>useSelector tự </a:t>
-            </a:r>
-            <a:r>
-              <a:rPr lang="" altLang="en-US" sz="1400"/>
-              <a:t>đ</a:t>
-            </a:r>
-            <a:r>
-              <a:rPr lang="en-US" altLang="en-US" sz="1400"/>
-              <a:t>ộng theo d</a:t>
-            </a:r>
-            <a:r>
-              <a:rPr lang="" altLang="en-US" sz="1400"/>
-              <a:t>õ</a:t>
-            </a:r>
-            <a:r>
-              <a:rPr lang="en-US" altLang="en-US" sz="1400"/>
-              <a:t>i state, nên khi items trong store thay </a:t>
-            </a:r>
-            <a:r>
-              <a:rPr lang="" altLang="en-US" sz="1400"/>
-              <a:t>đ</a:t>
-            </a:r>
-            <a:r>
-              <a:rPr lang="en-US" altLang="en-US" sz="1400"/>
-              <a:t>ổi, component sẽ tự </a:t>
-            </a:r>
-            <a:r>
-              <a:rPr lang="" altLang="en-US" sz="1400"/>
-              <a:t>đ</a:t>
-            </a:r>
-            <a:r>
-              <a:rPr lang="en-US" altLang="en-US" sz="1400"/>
-              <a:t>ộng re-render với dữ liệu mới.</a:t>
-            </a:r>
-            <a:endParaRPr lang="en-US" altLang="en-US" sz="1400"/>
-          </a:p>
-        </p:txBody>
-      </p:sp>
-      <p:pic>
-        <p:nvPicPr>
-          <p:cNvPr id="4" name="Picture 3"/>
-          <p:cNvPicPr>
-            <a:picLocks noChangeAspect="1"/>
-          </p:cNvPicPr>
-          <p:nvPr/>
-        </p:nvPicPr>
-        <p:blipFill>
-          <a:blip r:embed="rId1"/>
-          <a:stretch>
-            <a:fillRect/>
-          </a:stretch>
-        </p:blipFill>
-        <p:spPr>
-          <a:xfrm>
-            <a:off x="247650" y="2371725"/>
-            <a:ext cx="8887460" cy="3486150"/>
-          </a:xfrm>
-          <a:prstGeom prst="rect">
-            <a:avLst/>
-          </a:prstGeom>
-        </p:spPr>
-      </p:pic>
-    </p:spTree>
-  </p:cSld>
-  <p:clrMapOvr>
-    <a:masterClrMapping/>
-  </p:clrMapOvr>
-</p:sld>
-</file>
-
-<file path=ppt/slides/slide15.xml><?xml version="1.0" encoding="utf-8"?>
-<p:sld xmlns:a="http://schemas.openxmlformats.org/drawingml/2006/main" xmlns:r="http://schemas.openxmlformats.org/officeDocument/2006/relationships" xmlns:p="http://schemas.openxmlformats.org/presentationml/2006/main">
-  <p:cSld>
-    <p:spTree>
-      <p:nvGrpSpPr>
-        <p:cNvPr id="1" name=""/>
-        <p:cNvGrpSpPr/>
-        <p:nvPr/>
-      </p:nvGrpSpPr>
-      <p:grpSpPr/>
-      <p:sp>
-        <p:nvSpPr>
-          <p:cNvPr id="10" name="Rectangles 9"/>
-          <p:cNvSpPr/>
-          <p:nvPr/>
-        </p:nvSpPr>
-        <p:spPr>
-          <a:xfrm>
-            <a:off x="123825" y="111125"/>
-            <a:ext cx="5680710" cy="1574800"/>
-          </a:xfrm>
-          <a:prstGeom prst="rect">
-            <a:avLst/>
-          </a:prstGeom>
-        </p:spPr>
-        <p:style>
-          <a:lnRef idx="2">
-            <a:schemeClr val="accent1">
-              <a:lumMod val="75000"/>
-            </a:schemeClr>
-          </a:lnRef>
-          <a:fillRef idx="1">
-            <a:schemeClr val="accent1"/>
-          </a:fillRef>
-          <a:effectRef idx="0">
-            <a:srgbClr val="FFFFFF"/>
-          </a:effectRef>
-          <a:fontRef idx="minor">
-            <a:schemeClr val="lt1"/>
-          </a:fontRef>
-        </p:style>
-        <p:txBody>
-          <a:bodyPr rtlCol="0" anchor="ctr"/>
-          <a:p>
-            <a:pPr algn="l"/>
-            <a:r>
-              <a:rPr lang="en-US" altLang="en-US" sz="1400"/>
-              <a:t>Tắt header trong trang login khi không cần hiện phần header trong login </a:t>
-            </a:r>
-            <a:endParaRPr lang="en-US" altLang="en-US" sz="1400"/>
-          </a:p>
-        </p:txBody>
-      </p:sp>
-      <p:pic>
-        <p:nvPicPr>
-          <p:cNvPr id="2" name="Picture 1"/>
-          <p:cNvPicPr>
-            <a:picLocks noChangeAspect="1"/>
-          </p:cNvPicPr>
-          <p:nvPr/>
-        </p:nvPicPr>
-        <p:blipFill>
-          <a:blip r:embed="rId1"/>
-          <a:stretch>
-            <a:fillRect/>
-          </a:stretch>
-        </p:blipFill>
-        <p:spPr>
-          <a:xfrm>
-            <a:off x="123825" y="1685925"/>
-            <a:ext cx="9016365" cy="4844415"/>
-          </a:xfrm>
-          <a:prstGeom prst="rect">
-            <a:avLst/>
-          </a:prstGeom>
-        </p:spPr>
-      </p:pic>
-    </p:spTree>
-  </p:cSld>
-  <p:clrMapOvr>
-    <a:masterClrMapping/>
-  </p:clrMapOvr>
-</p:sld>
-</file>
-
-<file path=ppt/slides/slide16.xml><?xml version="1.0" encoding="utf-8"?>
-<p:sld xmlns:a="http://schemas.openxmlformats.org/drawingml/2006/main" xmlns:r="http://schemas.openxmlformats.org/officeDocument/2006/relationships" xmlns:p="http://schemas.openxmlformats.org/presentationml/2006/main">
-  <p:cSld>
-    <p:spTree>
-      <p:nvGrpSpPr>
-        <p:cNvPr id="1" name=""/>
-        <p:cNvGrpSpPr/>
-        <p:nvPr/>
-      </p:nvGrpSpPr>
-      <p:grpSpPr/>
-      <p:sp>
-        <p:nvSpPr>
-          <p:cNvPr id="2" name="Title 1"/>
-          <p:cNvSpPr>
-            <a:spLocks noGrp="1"/>
-          </p:cNvSpPr>
-          <p:nvPr>
-            <p:ph type="title"/>
-          </p:nvPr>
-        </p:nvSpPr>
-        <p:spPr/>
-        <p:txBody>
-          <a:bodyPr/>
-          <a:lstStyle/>
-          <a:p>
-            <a:r>
-              <a:rPr lang="en-US"/>
-              <a:t>Link source</a:t>
-            </a:r>
-            <a:endParaRPr lang="en-US"/>
-          </a:p>
-        </p:txBody>
-      </p:sp>
-      <p:sp>
-        <p:nvSpPr>
-          <p:cNvPr id="3" name="TextBox 2"/>
+      <p:sp>
+        <p:nvSpPr>
+          <p:cNvPr id="14" name="Text Box 13"/>
           <p:cNvSpPr txBox="1"/>
           <p:nvPr/>
         </p:nvSpPr>
         <p:spPr>
           <a:xfrm>
-            <a:off x="914400" y="1371600"/>
-            <a:ext cx="5375275" cy="645160"/>
+            <a:off x="541020" y="5280660"/>
+            <a:ext cx="8185785" cy="368300"/>
           </a:xfrm>
           <a:prstGeom prst="rect">
             <a:avLst/>
@@ -3806,21 +3197,20 @@
           <a:noFill/>
         </p:spPr>
         <p:txBody>
-          <a:bodyPr wrap="none">
+          <a:bodyPr wrap="square" rtlCol="0">
             <a:spAutoFit/>
           </a:bodyPr>
-          <a:lstStyle/>
-          <a:p>
-            <a:pPr algn="l"/>
-            <a:r>
-              <a:rPr lang="en-US" altLang="en-US">
-                <a:sym typeface="+mn-ea"/>
-              </a:rPr>
-              <a:t>https://github.com/petertranhoanglinh/myoffice_demo</a:t>
+          <a:p>
+            <a:r>
+              <a:rPr lang="en-US"/>
+              <a:t>Có thể đọc thêm trên source: </a:t>
+            </a:r>
+            <a:r>
+              <a:rPr lang="en-US" altLang="en-US"/>
+              <a:t>https://github.com/petertranhoanglinh/tailwind_reactjs</a:t>
             </a:r>
             <a:endParaRPr lang="en-US" altLang="en-US"/>
           </a:p>
-          <a:p/>
         </p:txBody>
       </p:sp>
     </p:spTree>
@@ -3866,13 +3256,13 @@
         </p:spPr>
         <p:txBody>
           <a:bodyPr>
-            <a:normAutofit fontScale="90000"/>
+            <a:normAutofit/>
           </a:bodyPr>
           <a:lstStyle/>
           <a:p>
             <a:r>
               <a:rPr lang="en-US" altLang="en-US" dirty="0"/>
-              <a:t>Em lựa chọn Next.js để tìm hiểu</a:t>
+              <a:t>Cài Đặt</a:t>
             </a:r>
             <a:endParaRPr lang="en-US" altLang="en-US" dirty="0"/>
           </a:p>
@@ -3904,71 +3294,34 @@
               <a:buFont typeface="Arial" panose="020B0604020202020204" pitchFamily="34" charset="0"/>
               <a:buChar char="•"/>
             </a:pPr>
-            <a:r>
-              <a:rPr lang="en-US" altLang="en-US"/>
-              <a:t>Hỗ trợ Full-stack (có thể viết cả API backend ngay trong dự án).</a:t>
-            </a:r>
             <a:endParaRPr lang="en-US" altLang="en-US"/>
           </a:p>
-          <a:p>
-            <a:pPr marL="800100" lvl="1" indent="-342900" algn="l">
-              <a:buFont typeface="Arial" panose="020B0604020202020204" pitchFamily="34" charset="0"/>
-              <a:buChar char="•"/>
-            </a:pPr>
-            <a:r>
-              <a:rPr lang="en-US" altLang="en-US"/>
-              <a:t>Hỗ trợ Server-side Rendering (SSR) giúp cải thiện SEO và tốc </a:t>
-            </a:r>
-            <a:r>
-              <a:rPr lang="en-US" altLang="en-US"/>
-              <a:t>đ</a:t>
-            </a:r>
-            <a:r>
-              <a:rPr lang="en-US" altLang="en-US"/>
-              <a:t>ộ tải trang.</a:t>
-            </a:r>
-            <a:endParaRPr lang="en-US" altLang="en-US"/>
-          </a:p>
-          <a:p>
-            <a:pPr marL="800100" lvl="1" indent="-342900" algn="l">
-              <a:buFont typeface="Arial" panose="020B0604020202020204" pitchFamily="34" charset="0"/>
-              <a:buChar char="•"/>
-            </a:pPr>
-            <a:r>
-              <a:rPr lang="en-US" altLang="en-US"/>
-              <a:t>Tích hợp dễ dàng với Vercel </a:t>
-            </a:r>
-            <a:r>
-              <a:rPr lang="en-US" altLang="en-US"/>
-              <a:t>đ</a:t>
-            </a:r>
-            <a:r>
-              <a:rPr lang="en-US" altLang="en-US"/>
-              <a:t>ể triển khai cực nhanh.</a:t>
-            </a:r>
-            <a:endParaRPr lang="en-US" altLang="en-US"/>
-          </a:p>
-          <a:p>
-            <a:pPr marL="800100" lvl="1" indent="-342900" algn="l">
-              <a:buFont typeface="Arial" panose="020B0604020202020204" pitchFamily="34" charset="0"/>
-              <a:buChar char="•"/>
-            </a:pPr>
-            <a:r>
-              <a:rPr lang="en-US" altLang="en-US"/>
-              <a:t>Có sẵn nhiều th</a:t>
-            </a:r>
-            <a:r>
-              <a:rPr lang="en-US" altLang="en-US"/>
-              <a:t>ư</a:t>
-            </a:r>
-            <a:r>
-              <a:rPr lang="en-US" altLang="en-US"/>
-              <a:t> viện, plugin hỗ trợ nên xây dựng ứng dụng nhanh hơn React thuần.</a:t>
-            </a:r>
-            <a:endParaRPr lang="en-US" altLang="en-US"/>
-          </a:p>
-        </p:txBody>
-      </p:sp>
+        </p:txBody>
+      </p:sp>
+      <p:pic>
+        <p:nvPicPr>
+          <p:cNvPr id="4" name="Picture 3"/>
+          <p:cNvPicPr>
+            <a:picLocks noChangeAspect="1"/>
+          </p:cNvPicPr>
+          <p:nvPr/>
+        </p:nvPicPr>
+        <p:blipFill>
+          <a:blip r:embed="rId1"/>
+          <a:stretch>
+            <a:fillRect/>
+          </a:stretch>
+        </p:blipFill>
+        <p:spPr>
+          <a:xfrm>
+            <a:off x="983615" y="2362835"/>
+            <a:ext cx="9951720" cy="4086225"/>
+          </a:xfrm>
+          <a:prstGeom prst="rect">
+            <a:avLst/>
+          </a:prstGeom>
+        </p:spPr>
+      </p:pic>
     </p:spTree>
   </p:cSld>
   <p:clrMapOvr>
@@ -3986,14 +3339,7 @@
         <p:cNvGrpSpPr/>
         <p:nvPr/>
       </p:nvGrpSpPr>
-      <p:grpSpPr>
-        <a:xfrm>
-          <a:off x="0" y="0"/>
-          <a:ext cx="0" cy="0"/>
-          <a:chOff x="0" y="0"/>
-          <a:chExt cx="0" cy="0"/>
-        </a:xfrm>
-      </p:grpSpPr>
+      <p:grpSpPr/>
       <p:sp>
         <p:nvSpPr>
           <p:cNvPr id="2" name="Title 1"/>
@@ -4001,56 +3347,24 @@
             <a:spLocks noGrp="1"/>
           </p:cNvSpPr>
           <p:nvPr>
-            <p:ph type="ctrTitle"/>
-          </p:nvPr>
-        </p:nvSpPr>
-        <p:spPr>
-          <a:xfrm>
-            <a:off x="1524000" y="555625"/>
-            <a:ext cx="9144000" cy="1367155"/>
-          </a:xfrm>
-        </p:spPr>
-        <p:txBody>
-          <a:bodyPr>
-            <a:normAutofit/>
-          </a:bodyPr>
-          <a:lstStyle/>
-          <a:p>
-            <a:r>
-              <a:rPr lang="en-US" altLang="en-US" dirty="0"/>
-              <a:t>Cài Đặt</a:t>
-            </a:r>
-            <a:endParaRPr lang="en-US" altLang="en-US" dirty="0"/>
-          </a:p>
-        </p:txBody>
-      </p:sp>
-      <p:sp>
-        <p:nvSpPr>
-          <p:cNvPr id="3" name="Subtitle 2"/>
-          <p:cNvSpPr>
-            <a:spLocks noGrp="1"/>
-          </p:cNvSpPr>
-          <p:nvPr>
-            <p:ph type="subTitle" idx="1"/>
-          </p:nvPr>
-        </p:nvSpPr>
-        <p:spPr>
-          <a:xfrm>
-            <a:off x="859790" y="2362835"/>
-            <a:ext cx="9808210" cy="2894965"/>
-          </a:xfrm>
-        </p:spPr>
-        <p:txBody>
-          <a:bodyPr>
-            <a:normAutofit/>
-          </a:bodyPr>
-          <a:lstStyle/>
-          <a:p>
-            <a:pPr marL="800100" lvl="1" indent="-342900" algn="l">
-              <a:buFont typeface="Arial" panose="020B0604020202020204" pitchFamily="34" charset="0"/>
-              <a:buChar char="•"/>
-            </a:pPr>
-            <a:endParaRPr lang="en-US" altLang="en-US"/>
+            <p:ph type="title"/>
+          </p:nvPr>
+        </p:nvSpPr>
+        <p:spPr>
+          <a:xfrm>
+            <a:off x="428625" y="-150495"/>
+            <a:ext cx="8837295" cy="1227455"/>
+          </a:xfrm>
+        </p:spPr>
+        <p:txBody>
+          <a:bodyPr/>
+          <a:lstStyle/>
+          <a:p>
+            <a:r>
+              <a:rPr lang="en-US" altLang="en-US" sz="1800"/>
+              <a:t>File-based Routing</a:t>
+            </a:r>
+            <a:endParaRPr lang="en-US" altLang="en-US" sz="1800"/>
           </a:p>
         </p:txBody>
       </p:sp>
@@ -4070,14 +3384,176 @@
         </p:blipFill>
         <p:spPr>
           <a:xfrm>
-            <a:off x="983615" y="2362835"/>
-            <a:ext cx="9951720" cy="4086225"/>
+            <a:off x="428625" y="833755"/>
+            <a:ext cx="6249670" cy="4362450"/>
           </a:xfrm>
           <a:prstGeom prst="rect">
             <a:avLst/>
           </a:prstGeom>
         </p:spPr>
       </p:pic>
+      <p:sp>
+        <p:nvSpPr>
+          <p:cNvPr id="5" name="Text Box 4"/>
+          <p:cNvSpPr txBox="1"/>
+          <p:nvPr/>
+        </p:nvSpPr>
+        <p:spPr>
+          <a:xfrm>
+            <a:off x="428625" y="5253355"/>
+            <a:ext cx="4064000" cy="460375"/>
+          </a:xfrm>
+          <a:prstGeom prst="rect">
+            <a:avLst/>
+          </a:prstGeom>
+          <a:noFill/>
+        </p:spPr>
+        <p:txBody>
+          <a:bodyPr wrap="square" rtlCol="0">
+            <a:spAutoFit/>
+          </a:bodyPr>
+          <a:p>
+            <a:r>
+              <a:rPr lang="en-US" sz="1200"/>
+              <a:t>Hình ảnh trang demo template đăng ký thành viên bằng reactjs kết hợp </a:t>
+            </a:r>
+            <a:r>
+              <a:rPr lang="en-US" altLang="en-US" sz="1200"/>
+              <a:t>taiwancss</a:t>
+            </a:r>
+            <a:endParaRPr lang="en-US" altLang="en-US" sz="1200"/>
+          </a:p>
+        </p:txBody>
+      </p:sp>
+      <p:sp>
+        <p:nvSpPr>
+          <p:cNvPr id="6" name="Text Box 5"/>
+          <p:cNvSpPr txBox="1"/>
+          <p:nvPr/>
+        </p:nvSpPr>
+        <p:spPr>
+          <a:xfrm>
+            <a:off x="6746875" y="833755"/>
+            <a:ext cx="4644390" cy="2235835"/>
+          </a:xfrm>
+          <a:prstGeom prst="rect">
+            <a:avLst/>
+          </a:prstGeom>
+          <a:noFill/>
+        </p:spPr>
+        <p:txBody>
+          <a:bodyPr wrap="square" rtlCol="0">
+            <a:noAutofit/>
+          </a:bodyPr>
+          <a:p>
+            <a:r>
+              <a:rPr lang="en-US" altLang="en-US" sz="1400"/>
+              <a:t>Next.js tự </a:t>
+            </a:r>
+            <a:r>
+              <a:rPr lang="" altLang="en-US" sz="1400"/>
+              <a:t>đ</a:t>
+            </a:r>
+            <a:r>
+              <a:rPr lang="en-US" altLang="en-US" sz="1400"/>
+              <a:t>ộng tạo </a:t>
+            </a:r>
+            <a:r>
+              <a:rPr lang="" altLang="en-US" sz="1400"/>
+              <a:t>đư</a:t>
+            </a:r>
+            <a:r>
+              <a:rPr lang="en-US" altLang="en-US" sz="1400"/>
+              <a:t>ờng dẫn (route) dựa trên cấu trúc th</a:t>
+            </a:r>
+            <a:r>
+              <a:rPr lang="" altLang="en-US" sz="1400"/>
+              <a:t>ư</a:t>
+            </a:r>
+            <a:r>
+              <a:rPr lang="en-US" altLang="en-US" sz="1400"/>
+              <a:t> mục trong th</a:t>
+            </a:r>
+            <a:r>
+              <a:rPr lang="" altLang="en-US" sz="1400"/>
+              <a:t>ư</a:t>
+            </a:r>
+            <a:r>
+              <a:rPr lang="en-US" altLang="en-US" sz="1400"/>
+              <a:t> mục /app.</a:t>
+            </a:r>
+            <a:endParaRPr lang="en-US" altLang="en-US" sz="1400"/>
+          </a:p>
+          <a:p>
+            <a:endParaRPr lang="en-US" altLang="en-US" sz="1400"/>
+          </a:p>
+          <a:p>
+            <a:r>
+              <a:rPr lang="en-US" altLang="en-US" sz="1400"/>
+              <a:t>Nếu bạn tạo một file page.tsx trong một th</a:t>
+            </a:r>
+            <a:r>
+              <a:rPr lang="" altLang="en-US" sz="1400"/>
+              <a:t>ư</a:t>
+            </a:r>
+            <a:r>
+              <a:rPr lang="en-US" altLang="en-US" sz="1400"/>
+              <a:t> mục, Next.js sẽ tự </a:t>
+            </a:r>
+            <a:r>
+              <a:rPr lang="" altLang="en-US" sz="1400"/>
+              <a:t>đ</a:t>
+            </a:r>
+            <a:r>
+              <a:rPr lang="en-US" altLang="en-US" sz="1400"/>
+              <a:t>ộng biến nó thành một route có cùng </a:t>
+            </a:r>
+            <a:r>
+              <a:rPr lang="" altLang="en-US" sz="1400"/>
+              <a:t>đư</a:t>
+            </a:r>
+            <a:r>
+              <a:rPr lang="en-US" altLang="en-US" sz="1400"/>
+              <a:t>ờng dẫn.</a:t>
+            </a:r>
+            <a:endParaRPr lang="en-US" altLang="en-US" sz="1400"/>
+          </a:p>
+          <a:p>
+            <a:endParaRPr lang="en-US" altLang="en-US" sz="1400"/>
+          </a:p>
+          <a:p>
+            <a:r>
+              <a:rPr lang="en-US" altLang="en-US" sz="1400"/>
+              <a:t>Các layout (layout.tsx) sẽ giúp bạn tạo một giao diện chung (nh</a:t>
+            </a:r>
+            <a:r>
+              <a:rPr lang="" altLang="en-US" sz="1400"/>
+              <a:t>ư</a:t>
+            </a:r>
+            <a:r>
+              <a:rPr lang="en-US" altLang="en-US" sz="1400"/>
+              <a:t> header, sidebar, footer), t</a:t>
+            </a:r>
+            <a:r>
+              <a:rPr lang="" altLang="en-US" sz="1400"/>
+              <a:t>ư</a:t>
+            </a:r>
+            <a:r>
+              <a:rPr lang="en-US" altLang="en-US" sz="1400"/>
+              <a:t>ơng tự nh</a:t>
+            </a:r>
+            <a:r>
+              <a:rPr lang="" altLang="en-US" sz="1400"/>
+              <a:t>ư</a:t>
+            </a:r>
+            <a:r>
+              <a:rPr lang="en-US" altLang="en-US" sz="1400"/>
+              <a:t> Router Outlet trong Angular.</a:t>
+            </a:r>
+            <a:endParaRPr lang="en-US" altLang="en-US" sz="1400"/>
+          </a:p>
+        </p:txBody>
+      </p:sp>
     </p:spTree>
   </p:cSld>
   <p:clrMapOvr>
@@ -4095,14 +3571,7 @@
         <p:cNvGrpSpPr/>
         <p:nvPr/>
       </p:nvGrpSpPr>
-      <p:grpSpPr>
-        <a:xfrm>
-          <a:off x="0" y="0"/>
-          <a:ext cx="0" cy="0"/>
-          <a:chOff x="0" y="0"/>
-          <a:chExt cx="0" cy="0"/>
-        </a:xfrm>
-      </p:grpSpPr>
+      <p:grpSpPr/>
       <p:sp>
         <p:nvSpPr>
           <p:cNvPr id="2" name="Title 1"/>
@@ -4110,62 +3579,160 @@
             <a:spLocks noGrp="1"/>
           </p:cNvSpPr>
           <p:nvPr>
-            <p:ph type="ctrTitle"/>
-          </p:nvPr>
-        </p:nvSpPr>
-        <p:spPr>
-          <a:xfrm>
-            <a:off x="1614805" y="84455"/>
-            <a:ext cx="9144000" cy="1367155"/>
-          </a:xfrm>
-        </p:spPr>
-        <p:txBody>
-          <a:bodyPr>
-            <a:normAutofit/>
+            <p:ph type="title"/>
+          </p:nvPr>
+        </p:nvSpPr>
+        <p:spPr>
+          <a:xfrm>
+            <a:off x="428625" y="-150495"/>
+            <a:ext cx="8837295" cy="1227455"/>
+          </a:xfrm>
+        </p:spPr>
+        <p:txBody>
+          <a:bodyPr/>
+          <a:lstStyle/>
+          <a:p>
+            <a:r>
+              <a:rPr lang="en-US" altLang="en-US" sz="1800"/>
+              <a:t>File-based Routing</a:t>
+            </a:r>
+            <a:endParaRPr lang="en-US" altLang="en-US" sz="1800"/>
+          </a:p>
+        </p:txBody>
+      </p:sp>
+      <p:sp>
+        <p:nvSpPr>
+          <p:cNvPr id="5" name="Text Box 4"/>
+          <p:cNvSpPr txBox="1"/>
+          <p:nvPr/>
+        </p:nvSpPr>
+        <p:spPr>
+          <a:xfrm>
+            <a:off x="428625" y="5253355"/>
+            <a:ext cx="4064000" cy="368300"/>
+          </a:xfrm>
+          <a:prstGeom prst="rect">
+            <a:avLst/>
+          </a:prstGeom>
+          <a:noFill/>
+        </p:spPr>
+        <p:txBody>
+          <a:bodyPr wrap="square" rtlCol="0">
+            <a:spAutoFit/>
           </a:bodyPr>
-          <a:lstStyle/>
-          <a:p>
-            <a:r>
-              <a:rPr lang="en-US" altLang="en-US" dirty="0"/>
-              <a:t>Cấu trúc dự án</a:t>
-            </a:r>
-            <a:endParaRPr lang="en-US" altLang="en-US" dirty="0"/>
-          </a:p>
-        </p:txBody>
-      </p:sp>
-      <p:sp>
-        <p:nvSpPr>
-          <p:cNvPr id="3" name="Subtitle 2"/>
-          <p:cNvSpPr>
-            <a:spLocks noGrp="1"/>
-          </p:cNvSpPr>
-          <p:nvPr>
-            <p:ph type="subTitle" idx="1"/>
-          </p:nvPr>
-        </p:nvSpPr>
-        <p:spPr>
-          <a:xfrm>
-            <a:off x="859790" y="2362835"/>
-            <a:ext cx="9808210" cy="2894965"/>
-          </a:xfrm>
-        </p:spPr>
-        <p:txBody>
-          <a:bodyPr>
-            <a:normAutofit/>
+          <a:p>
+            <a:r>
+              <a:rPr lang="en-US"/>
+              <a:t>Hình ảnh trang demo template đăng ký t</a:t>
+            </a:r>
+            <a:endParaRPr lang="en-US" altLang="en-US"/>
+          </a:p>
+        </p:txBody>
+      </p:sp>
+      <p:sp>
+        <p:nvSpPr>
+          <p:cNvPr id="6" name="Text Box 5"/>
+          <p:cNvSpPr txBox="1"/>
+          <p:nvPr/>
+        </p:nvSpPr>
+        <p:spPr>
+          <a:xfrm>
+            <a:off x="7345045" y="833755"/>
+            <a:ext cx="4726305" cy="2350135"/>
+          </a:xfrm>
+          <a:prstGeom prst="rect">
+            <a:avLst/>
+          </a:prstGeom>
+          <a:noFill/>
+        </p:spPr>
+        <p:txBody>
+          <a:bodyPr wrap="square" rtlCol="0">
+            <a:noAutofit/>
           </a:bodyPr>
-          <a:lstStyle/>
-          <a:p>
-            <a:pPr marL="800100" lvl="1" indent="-342900" algn="l">
-              <a:buFont typeface="Arial" panose="020B0604020202020204" pitchFamily="34" charset="0"/>
-              <a:buChar char="•"/>
-            </a:pPr>
-            <a:endParaRPr lang="en-US" altLang="en-US"/>
+          <a:p>
+            <a:r>
+              <a:rPr lang="en-US" altLang="en-US" sz="1400"/>
+              <a:t>Trong Next.js, mỗi th</a:t>
+            </a:r>
+            <a:r>
+              <a:rPr lang="" altLang="en-US" sz="1400"/>
+              <a:t>ư</a:t>
+            </a:r>
+            <a:r>
+              <a:rPr lang="en-US" altLang="en-US" sz="1400"/>
+              <a:t> mục trong /app tự </a:t>
+            </a:r>
+            <a:r>
+              <a:rPr lang="" altLang="en-US" sz="1400"/>
+              <a:t>đ</a:t>
+            </a:r>
+            <a:r>
+              <a:rPr lang="en-US" altLang="en-US" sz="1400"/>
+              <a:t>ộng ánh xạ thành một route t</a:t>
+            </a:r>
+            <a:r>
+              <a:rPr lang="" altLang="en-US" sz="1400"/>
+              <a:t>ư</a:t>
+            </a:r>
+            <a:r>
+              <a:rPr lang="en-US" altLang="en-US" sz="1400"/>
+              <a:t>ơng ứng. Khi tạo layout.tsx, các thành phần chung nh</a:t>
+            </a:r>
+            <a:r>
+              <a:rPr lang="" altLang="en-US" sz="1400"/>
+              <a:t>ư</a:t>
+            </a:r>
+            <a:r>
+              <a:rPr lang="en-US" altLang="en-US" sz="1400"/>
+              <a:t> header, sidebar, footer sẽ </a:t>
+            </a:r>
+            <a:r>
+              <a:rPr lang="" altLang="en-US" sz="1400"/>
+              <a:t>đư</a:t>
+            </a:r>
+            <a:r>
+              <a:rPr lang="en-US" altLang="en-US" sz="1400"/>
+              <a:t>ợc giữ nguyên, còn phần {children} sẽ hiển thị nội dung từ các trang con, t</a:t>
+            </a:r>
+            <a:r>
+              <a:rPr lang="" altLang="en-US" sz="1400"/>
+              <a:t>ư</a:t>
+            </a:r>
+            <a:r>
+              <a:rPr lang="en-US" altLang="en-US" sz="1400"/>
+              <a:t>ơng tự router-outlet trong Angular. Ví dụ, /dashboard/member/member_form sẽ lấy bố cục từ /dashboard/layout.tsx và chỉ thay </a:t>
+            </a:r>
+            <a:r>
+              <a:rPr lang="" altLang="en-US" sz="1400"/>
+              <a:t>đ</a:t>
+            </a:r>
+            <a:r>
+              <a:rPr lang="en-US" altLang="en-US" sz="1400"/>
+              <a:t>ổi nội dung từ page.tsx trong th</a:t>
+            </a:r>
+            <a:r>
+              <a:rPr lang="" altLang="en-US" sz="1400"/>
+              <a:t>ư</a:t>
+            </a:r>
+            <a:r>
+              <a:rPr lang="en-US" altLang="en-US" sz="1400"/>
+              <a:t> mục t</a:t>
+            </a:r>
+            <a:r>
+              <a:rPr lang="" altLang="en-US" sz="1400"/>
+              <a:t>ư</a:t>
+            </a:r>
+            <a:r>
+              <a:rPr lang="en-US" altLang="en-US" sz="1400"/>
+              <a:t>ơng ứng. Nếu không muốn sử dụng layout, chỉ cần không tạo layout.tsx, Next.js sẽ chỉ hiển thị nội dung trang mà không render giao diện chung.</a:t>
+            </a:r>
+            <a:endParaRPr lang="en-US" altLang="en-US" sz="1400"/>
           </a:p>
         </p:txBody>
       </p:sp>
       <p:pic>
         <p:nvPicPr>
-          <p:cNvPr id="6" name="Picture 5"/>
+          <p:cNvPr id="3" name="Picture 2"/>
           <p:cNvPicPr>
             <a:picLocks noChangeAspect="1"/>
           </p:cNvPicPr>
@@ -4179,8 +3746,8 @@
         </p:blipFill>
         <p:spPr>
           <a:xfrm>
-            <a:off x="1385570" y="1501140"/>
-            <a:ext cx="7106920" cy="6219825"/>
+            <a:off x="0" y="601980"/>
+            <a:ext cx="7233285" cy="5010785"/>
           </a:xfrm>
           <a:prstGeom prst="rect">
             <a:avLst/>
@@ -4215,28 +3782,33 @@
             <p:ph type="title"/>
           </p:nvPr>
         </p:nvSpPr>
-        <p:spPr/>
-        <p:txBody>
-          <a:bodyPr/>
-          <a:p>
-            <a:pPr algn="ctr"/>
-            <a:r>
-              <a:rPr lang="en-US"/>
-              <a:t>Login page</a:t>
-            </a:r>
-            <a:endParaRPr lang="en-US"/>
+        <p:spPr>
+          <a:xfrm>
+            <a:off x="428625" y="-150495"/>
+            <a:ext cx="8837295" cy="1227455"/>
+          </a:xfrm>
+        </p:spPr>
+        <p:txBody>
+          <a:bodyPr/>
+          <a:lstStyle/>
+          <a:p>
+            <a:r>
+              <a:rPr lang="en-US" altLang="en-US" sz="1800">
+                <a:sym typeface="+mn-ea"/>
+              </a:rPr>
+              <a:t>Redux toolkit quản lý trạng thái data khi gọi api.</a:t>
+            </a:r>
+            <a:endParaRPr lang="en-US" altLang="en-US" sz="1800"/>
           </a:p>
         </p:txBody>
       </p:sp>
       <p:pic>
         <p:nvPicPr>
-          <p:cNvPr id="4" name="Content Placeholder 3"/>
+          <p:cNvPr id="4" name="Picture 3"/>
           <p:cNvPicPr>
             <a:picLocks noChangeAspect="1"/>
           </p:cNvPicPr>
-          <p:nvPr>
-            <p:ph idx="1"/>
-          </p:nvPr>
+          <p:nvPr/>
         </p:nvPicPr>
         <p:blipFill>
           <a:blip r:embed="rId1"/>
@@ -4246,14 +3818,43 @@
         </p:blipFill>
         <p:spPr>
           <a:xfrm>
-            <a:off x="1651000" y="1511935"/>
-            <a:ext cx="8095615" cy="4351655"/>
+            <a:off x="565785" y="793750"/>
+            <a:ext cx="11294110" cy="3999230"/>
           </a:xfrm>
           <a:prstGeom prst="rect">
             <a:avLst/>
           </a:prstGeom>
         </p:spPr>
       </p:pic>
+      <p:sp>
+        <p:nvSpPr>
+          <p:cNvPr id="7" name="Text Box 6"/>
+          <p:cNvSpPr txBox="1"/>
+          <p:nvPr/>
+        </p:nvSpPr>
+        <p:spPr>
+          <a:xfrm>
+            <a:off x="502920" y="4792980"/>
+            <a:ext cx="4064000" cy="460375"/>
+          </a:xfrm>
+          <a:prstGeom prst="rect">
+            <a:avLst/>
+          </a:prstGeom>
+          <a:noFill/>
+        </p:spPr>
+        <p:txBody>
+          <a:bodyPr wrap="square" rtlCol="0">
+            <a:spAutoFit/>
+          </a:bodyPr>
+          <a:p>
+            <a:r>
+              <a:rPr lang="en-US" sz="1200"/>
+              <a:t>Hình ảnh sử dụng api và sử dụng redux để quản lý trạng thái data.</a:t>
+            </a:r>
+            <a:endParaRPr lang="en-US" altLang="en-US" sz="1200"/>
+          </a:p>
+        </p:txBody>
+      </p:sp>
     </p:spTree>
   </p:cSld>
   <p:clrMapOvr>
@@ -4274,31 +3875,62 @@
       <p:grpSpPr/>
       <p:sp>
         <p:nvSpPr>
-          <p:cNvPr id="2" name="Title 1"/>
-          <p:cNvSpPr>
-            <a:spLocks noGrp="1"/>
-          </p:cNvSpPr>
-          <p:nvPr>
-            <p:ph type="title"/>
-          </p:nvPr>
-        </p:nvSpPr>
-        <p:spPr/>
-        <p:txBody>
-          <a:bodyPr/>
-          <a:p>
-            <a:endParaRPr lang="en-US"/>
+          <p:cNvPr id="4" name="Title 1"/>
+          <p:cNvSpPr>
+            <a:spLocks noGrp="1"/>
+          </p:cNvSpPr>
+          <p:nvPr/>
+        </p:nvSpPr>
+        <p:spPr>
+          <a:xfrm>
+            <a:off x="543560" y="62865"/>
+            <a:ext cx="8722360" cy="708660"/>
+          </a:xfrm>
+          <a:prstGeom prst="rect">
+            <a:avLst/>
+          </a:prstGeom>
+        </p:spPr>
+        <p:txBody>
+          <a:bodyPr vert="horz" lIns="91440" tIns="45720" rIns="91440" bIns="45720" rtlCol="0" anchor="ctr">
+            <a:normAutofit/>
+          </a:bodyPr>
+          <a:lstStyle>
+            <a:lvl1pPr algn="l" defTabSz="914400" rtl="0" eaLnBrk="1" latinLnBrk="0" hangingPunct="1">
+              <a:lnSpc>
+                <a:spcPct val="90000"/>
+              </a:lnSpc>
+              <a:spcBef>
+                <a:spcPct val="0"/>
+              </a:spcBef>
+              <a:buNone/>
+              <a:defRPr sz="4400" kern="1200">
+                <a:solidFill>
+                  <a:schemeClr val="tx1"/>
+                </a:solidFill>
+                <a:latin typeface="+mj-lt"/>
+                <a:ea typeface="+mj-ea"/>
+                <a:cs typeface="+mj-cs"/>
+              </a:defRPr>
+            </a:lvl1pPr>
+          </a:lstStyle>
+          <a:p>
+            <a:r>
+              <a:rPr lang="en-US" altLang="en-US" sz="1800">
+                <a:sym typeface="+mn-ea"/>
+              </a:rPr>
+              <a:t>Cách thức hoạt động của redux trong reactjs</a:t>
+            </a:r>
+            <a:endParaRPr lang="en-US" altLang="en-US" sz="1800"/>
           </a:p>
         </p:txBody>
       </p:sp>
       <p:pic>
         <p:nvPicPr>
-          <p:cNvPr id="4" name="Content Placeholder 3"/>
+          <p:cNvPr id="7" name="Picture 6"/>
           <p:cNvPicPr>
             <a:picLocks noChangeAspect="1"/>
           </p:cNvPicPr>
-          <p:nvPr>
-            <p:ph idx="1"/>
-          </p:nvPr>
+          <p:nvPr/>
         </p:nvPicPr>
         <p:blipFill>
           <a:blip r:embed="rId1"/>
@@ -4308,8 +3940,8 @@
         </p:blipFill>
         <p:spPr>
           <a:xfrm>
-            <a:off x="838200" y="1825625"/>
-            <a:ext cx="7156450" cy="4351655"/>
+            <a:off x="242570" y="692785"/>
+            <a:ext cx="5723255" cy="2675890"/>
           </a:xfrm>
           <a:prstGeom prst="rect">
             <a:avLst/>
@@ -4318,100 +3950,105 @@
       </p:pic>
       <p:sp>
         <p:nvSpPr>
-          <p:cNvPr id="10" name="Rectangles 9"/>
-          <p:cNvSpPr/>
+          <p:cNvPr id="8" name="Text Box 7"/>
+          <p:cNvSpPr txBox="1"/>
           <p:nvPr/>
         </p:nvSpPr>
         <p:spPr>
           <a:xfrm>
-            <a:off x="899795" y="0"/>
-            <a:ext cx="6509385" cy="2084705"/>
+            <a:off x="6127115" y="771208"/>
+            <a:ext cx="5080000" cy="1076325"/>
           </a:xfrm>
           <a:prstGeom prst="rect">
             <a:avLst/>
           </a:prstGeom>
         </p:spPr>
-        <p:style>
-          <a:lnRef idx="2">
-            <a:schemeClr val="accent1">
-              <a:lumMod val="75000"/>
-            </a:schemeClr>
-          </a:lnRef>
-          <a:fillRef idx="1">
-            <a:schemeClr val="accent1"/>
-          </a:fillRef>
-          <a:effectRef idx="0">
-            <a:srgbClr val="FFFFFF"/>
-          </a:effectRef>
-          <a:fontRef idx="minor">
-            <a:schemeClr val="lt1"/>
-          </a:fontRef>
-        </p:style>
-        <p:txBody>
-          <a:bodyPr rtlCol="0" anchor="ctr"/>
-          <a:p>
-            <a:pPr algn="l"/>
-            <a:r>
-              <a:rPr lang="en-US" altLang="en-US"/>
-              <a:t>Router trong Next.js hoạt </a:t>
-            </a:r>
-            <a:r>
-              <a:rPr lang="en-US" altLang="en-US"/>
-              <a:t>đ</a:t>
-            </a:r>
-            <a:r>
-              <a:rPr lang="en-US" altLang="en-US"/>
-              <a:t>ộng theo cấu trúc th</a:t>
-            </a:r>
-            <a:r>
-              <a:rPr lang="en-US" altLang="en-US"/>
-              <a:t>ư</a:t>
-            </a:r>
-            <a:r>
-              <a:rPr lang="en-US" altLang="en-US"/>
-              <a:t> mục. Mỗi th</a:t>
-            </a:r>
-            <a:r>
-              <a:rPr lang="en-US" altLang="en-US"/>
-              <a:t>ư</a:t>
-            </a:r>
-            <a:r>
-              <a:rPr lang="en-US" altLang="en-US"/>
-              <a:t> mục trong app sẽ t</a:t>
-            </a:r>
-            <a:r>
-              <a:rPr lang="en-US" altLang="en-US"/>
-              <a:t>ư</a:t>
-            </a:r>
-            <a:r>
-              <a:rPr lang="en-US" altLang="en-US"/>
-              <a:t>ơng ứng với một route. Ví dụ, app/login/page.tsx sẽ tạo </a:t>
-            </a:r>
-            <a:r>
-              <a:rPr lang="en-US" altLang="en-US"/>
-              <a:t>đư</a:t>
-            </a:r>
-            <a:r>
-              <a:rPr lang="en-US" altLang="en-US"/>
-              <a:t>ờng dẫn /login.</a:t>
-            </a:r>
-            <a:endParaRPr lang="en-US" altLang="en-US"/>
-          </a:p>
-          <a:p>
-            <a:pPr algn="l"/>
-            <a:r>
-              <a:rPr lang="en-US" altLang="en-US"/>
-              <a:t>Mọi file page.tsx trong th</a:t>
-            </a:r>
-            <a:r>
-              <a:rPr lang="en-US" altLang="en-US"/>
-              <a:t>ư</a:t>
-            </a:r>
-            <a:r>
-              <a:rPr lang="en-US" altLang="en-US"/>
-              <a:t> mục con của app sẽ trở thành một trang riêng biệt trong ứng dụng.</a:t>
-            </a:r>
-            <a:endParaRPr lang="en-US" altLang="en-US"/>
+        <p:txBody>
+          <a:bodyPr>
+            <a:spAutoFit/>
+          </a:bodyPr>
+          <a:p>
+            <a:r>
+              <a:rPr lang="en-US" sz="1600"/>
+              <a:t>File</a:t>
+            </a:r>
+            <a:r>
+              <a:rPr sz="1600"/>
+              <a:t> StoreProvider.tsx được sử dụng để thiết lập và cung cấp Redux Store cho ứng dụng React của bạn. Nó giúp bạn bao bọc toàn bộ ứng dụng với Provider từ react-redux, cho phép các thành phần con truy cập vào Redux Store.</a:t>
+            </a:r>
+            <a:endParaRPr sz="1600"/>
+          </a:p>
+        </p:txBody>
+      </p:sp>
+      <p:pic>
+        <p:nvPicPr>
+          <p:cNvPr id="10" name="Picture 9"/>
+          <p:cNvPicPr>
+            <a:picLocks noChangeAspect="1"/>
+          </p:cNvPicPr>
+          <p:nvPr/>
+        </p:nvPicPr>
+        <p:blipFill>
+          <a:blip r:embed="rId2"/>
+          <a:stretch>
+            <a:fillRect/>
+          </a:stretch>
+        </p:blipFill>
+        <p:spPr>
+          <a:xfrm>
+            <a:off x="324485" y="3368675"/>
+            <a:ext cx="5559425" cy="3427730"/>
+          </a:xfrm>
+          <a:prstGeom prst="rect">
+            <a:avLst/>
+          </a:prstGeom>
+        </p:spPr>
+      </p:pic>
+      <p:sp>
+        <p:nvSpPr>
+          <p:cNvPr id="11" name="Text Box 10"/>
+          <p:cNvSpPr txBox="1"/>
+          <p:nvPr/>
+        </p:nvSpPr>
+        <p:spPr>
+          <a:xfrm>
+            <a:off x="6047740" y="3943350"/>
+            <a:ext cx="4340860" cy="2799715"/>
+          </a:xfrm>
+          <a:prstGeom prst="rect">
+            <a:avLst/>
+          </a:prstGeom>
+        </p:spPr>
+        <p:txBody>
+          <a:bodyPr wrap="square">
+            <a:spAutoFit/>
+          </a:bodyPr>
+          <a:p>
+            <a:r>
+              <a:rPr sz="1600"/>
+              <a:t>Khi Redux Store được tạo ra từ file này, tất cả reducers được kết hợp lại giúp quản lý trạng thái toàn cục (global state) của ứng dụng.</a:t>
+            </a:r>
+            <a:endParaRPr sz="1600"/>
+          </a:p>
+          <a:p>
+            <a:endParaRPr sz="1600"/>
+          </a:p>
+          <a:p>
+            <a:r>
+              <a:rPr sz="1600"/>
+              <a:t>Các reducers được khai báo trong thư mục tương ứng (darkModeSlice, mainSlice, cryptoSlice, memberSearchSlice), xử lý logic cập nhật state.</a:t>
+            </a:r>
+            <a:endParaRPr sz="1600"/>
+          </a:p>
+          <a:p>
+            <a:endParaRPr sz="1600"/>
+          </a:p>
+          <a:p>
+            <a:r>
+              <a:rPr sz="1600"/>
+              <a:t>Các component có thể sử dụng useSelector để lấy dữ liệu từ store và useDispatch để gửi action cập nhật state.</a:t>
+            </a:r>
+            <a:endParaRPr sz="1600"/>
           </a:p>
         </p:txBody>
       </p:sp>
@@ -4443,74 +4080,33 @@
             <p:ph type="title"/>
           </p:nvPr>
         </p:nvSpPr>
-        <p:spPr/>
-        <p:txBody>
-          <a:bodyPr/>
-          <a:p>
-            <a:endParaRPr lang="en-US"/>
-          </a:p>
-        </p:txBody>
-      </p:sp>
-      <p:sp>
-        <p:nvSpPr>
-          <p:cNvPr id="10" name="Rectangles 9"/>
-          <p:cNvSpPr/>
-          <p:nvPr/>
-        </p:nvSpPr>
-        <p:spPr>
-          <a:xfrm>
-            <a:off x="899795" y="0"/>
-            <a:ext cx="6509385" cy="1993900"/>
-          </a:xfrm>
-          <a:prstGeom prst="rect">
-            <a:avLst/>
-          </a:prstGeom>
-        </p:spPr>
-        <p:style>
-          <a:lnRef idx="2">
-            <a:schemeClr val="accent1">
-              <a:lumMod val="75000"/>
-            </a:schemeClr>
-          </a:lnRef>
-          <a:fillRef idx="1">
-            <a:schemeClr val="accent1"/>
-          </a:fillRef>
-          <a:effectRef idx="0">
-            <a:srgbClr val="FFFFFF"/>
-          </a:effectRef>
-          <a:fontRef idx="minor">
-            <a:schemeClr val="lt1"/>
-          </a:fontRef>
-        </p:style>
-        <p:txBody>
-          <a:bodyPr rtlCol="0" anchor="ctr"/>
-          <a:p>
-            <a:pPr algn="l"/>
-            <a:r>
-              <a:rPr lang="en-US" altLang="en-US"/>
-              <a:t>Thêm thử API login viết trực tiếp bằng NextJs</a:t>
-            </a:r>
-            <a:endParaRPr lang="en-US" altLang="en-US"/>
-          </a:p>
-          <a:p>
-            <a:pPr algn="l"/>
-            <a:r>
-              <a:rPr lang="en-US" altLang="en-US"/>
-              <a:t>API sẽ xác nhận passwd và username nếu hợp lệ sẽ trả ra token và phía client sẽ lưu token để xác thực cho các request sau. </a:t>
-            </a:r>
-            <a:endParaRPr lang="en-US" altLang="en-US"/>
+        <p:spPr>
+          <a:xfrm>
+            <a:off x="428625" y="-150495"/>
+            <a:ext cx="8837295" cy="1227455"/>
+          </a:xfrm>
+        </p:spPr>
+        <p:txBody>
+          <a:bodyPr/>
+          <a:lstStyle/>
+          <a:p>
+            <a:r>
+              <a:rPr lang="en-US" altLang="en-US" sz="1800">
+                <a:sym typeface="+mn-ea"/>
+              </a:rPr>
+              <a:t>Redux toolkit quản lý trạng thái data khi gọi api.</a:t>
+            </a:r>
+            <a:endParaRPr lang="en-US" altLang="en-US" sz="1800"/>
           </a:p>
         </p:txBody>
       </p:sp>
       <p:pic>
         <p:nvPicPr>
-          <p:cNvPr id="11" name="Content Placeholder 10"/>
+          <p:cNvPr id="3" name="Picture 2"/>
           <p:cNvPicPr>
             <a:picLocks noChangeAspect="1"/>
           </p:cNvPicPr>
-          <p:nvPr>
-            <p:ph idx="1"/>
-          </p:nvPr>
+          <p:nvPr/>
         </p:nvPicPr>
         <p:blipFill>
           <a:blip r:embed="rId1"/>
@@ -4520,14 +4116,220 @@
         </p:blipFill>
         <p:spPr>
           <a:xfrm>
-            <a:off x="1616075" y="2227580"/>
-            <a:ext cx="8811260" cy="4351655"/>
+            <a:off x="42545" y="686435"/>
+            <a:ext cx="5075555" cy="4493260"/>
           </a:xfrm>
           <a:prstGeom prst="rect">
             <a:avLst/>
           </a:prstGeom>
         </p:spPr>
       </p:pic>
+      <p:sp>
+        <p:nvSpPr>
+          <p:cNvPr id="5" name="Text Box 4"/>
+          <p:cNvSpPr txBox="1"/>
+          <p:nvPr/>
+        </p:nvSpPr>
+        <p:spPr>
+          <a:xfrm>
+            <a:off x="5198745" y="781050"/>
+            <a:ext cx="5530215" cy="3672840"/>
+          </a:xfrm>
+          <a:prstGeom prst="rect">
+            <a:avLst/>
+          </a:prstGeom>
+        </p:spPr>
+        <p:txBody>
+          <a:bodyPr>
+            <a:noAutofit/>
+          </a:bodyPr>
+          <a:p>
+            <a:r>
+              <a:rPr sz="1000"/>
+              <a:t>Định nghĩa trạng thái ban đầu (initialState):</a:t>
+            </a:r>
+            <a:endParaRPr sz="1000"/>
+          </a:p>
+          <a:p>
+            <a:endParaRPr sz="1000"/>
+          </a:p>
+          <a:p>
+            <a:pPr>
+              <a:buFont typeface="Arial" panose="020B0604020202020204"/>
+              <a:buChar char="•"/>
+            </a:pPr>
+            <a:r>
+              <a:rPr sz="1000"/>
+              <a:t>items: Danh sách thành viên tìm thấy (mảng MemberModel[]).</a:t>
+            </a:r>
+            <a:endParaRPr sz="1000"/>
+          </a:p>
+          <a:p>
+            <a:pPr>
+              <a:buFont typeface="Arial" panose="020B0604020202020204"/>
+              <a:buChar char="•"/>
+            </a:pPr>
+            <a:endParaRPr sz="1000"/>
+          </a:p>
+          <a:p>
+            <a:pPr>
+              <a:buFont typeface="Arial" panose="020B0604020202020204"/>
+              <a:buChar char="•"/>
+            </a:pPr>
+            <a:r>
+              <a:rPr sz="1000"/>
+              <a:t>loading: Xác định trạng thái đang tải (true/false).</a:t>
+            </a:r>
+            <a:endParaRPr sz="1000"/>
+          </a:p>
+          <a:p>
+            <a:pPr>
+              <a:buFont typeface="Arial" panose="020B0604020202020204"/>
+              <a:buChar char="•"/>
+            </a:pPr>
+            <a:endParaRPr sz="1000"/>
+          </a:p>
+          <a:p>
+            <a:pPr>
+              <a:buFont typeface="Arial" panose="020B0604020202020204"/>
+              <a:buChar char="•"/>
+            </a:pPr>
+            <a:r>
+              <a:rPr sz="1000"/>
+              <a:t>error: Chứa thông báo lỗi nếu có.</a:t>
+            </a:r>
+            <a:endParaRPr sz="1000"/>
+          </a:p>
+          <a:p>
+            <a:pPr>
+              <a:buFont typeface="Arial" panose="020B0604020202020204"/>
+              <a:buChar char="•"/>
+            </a:pPr>
+            <a:endParaRPr sz="1000"/>
+          </a:p>
+          <a:p>
+            <a:r>
+              <a:rPr sz="1000"/>
+              <a:t>Tạo một createAsyncThunk để gọi API tìm kiếm thành viên:</a:t>
+            </a:r>
+            <a:endParaRPr sz="1000"/>
+          </a:p>
+          <a:p>
+            <a:endParaRPr sz="1000"/>
+          </a:p>
+          <a:p>
+            <a:pPr>
+              <a:buFont typeface="Arial" panose="020B0604020202020204"/>
+              <a:buChar char="•"/>
+            </a:pPr>
+            <a:r>
+              <a:rPr sz="1000"/>
+              <a:t>searchMemberAction: Gửi request tìm kiếm thành viên đến memberService.searchMember(query).</a:t>
+            </a:r>
+            <a:endParaRPr sz="1000"/>
+          </a:p>
+          <a:p>
+            <a:pPr>
+              <a:buFont typeface="Arial" panose="020B0604020202020204"/>
+              <a:buChar char="•"/>
+            </a:pPr>
+            <a:endParaRPr sz="1000"/>
+          </a:p>
+          <a:p>
+            <a:pPr>
+              <a:buFont typeface="Arial" panose="020B0604020202020204"/>
+              <a:buChar char="•"/>
+            </a:pPr>
+            <a:r>
+              <a:rPr sz="1000"/>
+              <a:t>Khi request thành công: Trả về danh sách thành viên.</a:t>
+            </a:r>
+            <a:endParaRPr sz="1000"/>
+          </a:p>
+          <a:p>
+            <a:pPr>
+              <a:buFont typeface="Arial" panose="020B0604020202020204"/>
+              <a:buChar char="•"/>
+            </a:pPr>
+            <a:endParaRPr sz="1000"/>
+          </a:p>
+          <a:p>
+            <a:pPr>
+              <a:buFont typeface="Arial" panose="020B0604020202020204"/>
+              <a:buChar char="•"/>
+            </a:pPr>
+            <a:r>
+              <a:rPr sz="1000"/>
+              <a:t>Khi request thất bại: Trả về thông báo lỗi ("Lỗi khi tìm kiếm thành viên").</a:t>
+            </a:r>
+            <a:endParaRPr sz="1000"/>
+          </a:p>
+          <a:p>
+            <a:pPr>
+              <a:buFont typeface="Arial" panose="020B0604020202020204"/>
+              <a:buChar char="•"/>
+            </a:pPr>
+            <a:endParaRPr sz="1000"/>
+          </a:p>
+          <a:p>
+            <a:r>
+              <a:rPr sz="1000"/>
+              <a:t>Tạo createSlice để xử lý trạng thái:</a:t>
+            </a:r>
+            <a:endParaRPr sz="1000"/>
+          </a:p>
+          <a:p>
+            <a:endParaRPr sz="1000"/>
+          </a:p>
+          <a:p>
+            <a:pPr>
+              <a:buFont typeface="Arial" panose="020B0604020202020204"/>
+              <a:buChar char="•"/>
+            </a:pPr>
+            <a:r>
+              <a:rPr sz="1000"/>
+              <a:t>Khi searchMemberAction.pending: Bắt đầu request, loading = true, error = null.</a:t>
+            </a:r>
+            <a:endParaRPr sz="1000"/>
+          </a:p>
+          <a:p>
+            <a:pPr>
+              <a:buFont typeface="Arial" panose="020B0604020202020204"/>
+              <a:buChar char="•"/>
+            </a:pPr>
+            <a:endParaRPr sz="1000"/>
+          </a:p>
+          <a:p>
+            <a:pPr>
+              <a:buFont typeface="Arial" panose="020B0604020202020204"/>
+              <a:buChar char="•"/>
+            </a:pPr>
+            <a:r>
+              <a:rPr sz="1000"/>
+              <a:t>Khi searchMemberAction.fulfilled: Nhận dữ liệu thành công, cập nhật items và tắt loading.</a:t>
+            </a:r>
+            <a:endParaRPr sz="1000"/>
+          </a:p>
+          <a:p>
+            <a:pPr>
+              <a:buFont typeface="Arial" panose="020B0604020202020204"/>
+              <a:buChar char="•"/>
+            </a:pPr>
+            <a:endParaRPr sz="1000"/>
+          </a:p>
+          <a:p>
+            <a:pPr>
+              <a:buFont typeface="Arial" panose="020B0604020202020204"/>
+              <a:buChar char="•"/>
+            </a:pPr>
+            <a:r>
+              <a:rPr sz="1000"/>
+              <a:t>Khi searchMemberAction.rejected: Lỗi xảy ra, lưu thông báo lỗi vào error.</a:t>
+            </a:r>
+            <a:endParaRPr sz="1000"/>
+          </a:p>
+        </p:txBody>
+      </p:sp>
     </p:spTree>
   </p:cSld>
   <p:clrMapOvr>
@@ -4556,28 +4358,68 @@
             <p:ph type="title"/>
           </p:nvPr>
         </p:nvSpPr>
-        <p:spPr/>
-        <p:txBody>
-          <a:bodyPr/>
-          <a:p>
-            <a:pPr algn="ctr"/>
-            <a:r>
-              <a:rPr lang="en-US" altLang="en-US"/>
-              <a:t>Middleware là gì?</a:t>
-            </a:r>
-            <a:endParaRPr lang="en-US" altLang="en-US"/>
+        <p:spPr>
+          <a:xfrm>
+            <a:off x="428625" y="-150495"/>
+            <a:ext cx="8837295" cy="1227455"/>
+          </a:xfrm>
+        </p:spPr>
+        <p:txBody>
+          <a:bodyPr/>
+          <a:lstStyle/>
+          <a:p>
+            <a:r>
+              <a:rPr lang="en-US" altLang="en-US" sz="1800">
+                <a:sym typeface="+mn-ea"/>
+              </a:rPr>
+              <a:t>Sử dụng trong redux component</a:t>
+            </a:r>
+            <a:endParaRPr lang="en-US" altLang="en-US" sz="1800"/>
+          </a:p>
+        </p:txBody>
+      </p:sp>
+      <p:sp>
+        <p:nvSpPr>
+          <p:cNvPr id="4" name="Text Box 3"/>
+          <p:cNvSpPr txBox="1"/>
+          <p:nvPr/>
+        </p:nvSpPr>
+        <p:spPr>
+          <a:xfrm>
+            <a:off x="5666740" y="1000125"/>
+            <a:ext cx="5080000" cy="857250"/>
+          </a:xfrm>
+          <a:prstGeom prst="rect">
+            <a:avLst/>
+          </a:prstGeom>
+        </p:spPr>
+        <p:txBody>
+          <a:bodyPr>
+            <a:noAutofit/>
+          </a:bodyPr>
+          <a:p>
+            <a:r>
+              <a:rPr sz="1200"/>
+              <a:t>Lấy dữ liệu từ Redux store: Dữ liệu items và trạng thái loading được lấy từ searchMember state.</a:t>
+            </a:r>
+            <a:endParaRPr sz="1200"/>
+          </a:p>
+          <a:p>
+            <a:r>
+              <a:rPr sz="1200"/>
+              <a:t>Gửi action với dispatch: Biến dispatch sẽ được dùng để gọi action khi cần cập nhật dữ liệu.</a:t>
+            </a:r>
+            <a:endParaRPr sz="1200"/>
           </a:p>
         </p:txBody>
       </p:sp>
       <p:pic>
         <p:nvPicPr>
-          <p:cNvPr id="5" name="Content Placeholder 4"/>
+          <p:cNvPr id="6" name="Picture 5"/>
           <p:cNvPicPr>
             <a:picLocks noChangeAspect="1"/>
           </p:cNvPicPr>
-          <p:nvPr>
-            <p:ph idx="1"/>
-          </p:nvPr>
+          <p:nvPr/>
         </p:nvPicPr>
         <p:blipFill>
           <a:blip r:embed="rId1"/>
@@ -4587,110 +4429,114 @@
         </p:blipFill>
         <p:spPr>
           <a:xfrm>
-            <a:off x="4628515" y="2115185"/>
-            <a:ext cx="7761605" cy="4351655"/>
+            <a:off x="828675" y="1000125"/>
+            <a:ext cx="4730750" cy="727075"/>
           </a:xfrm>
           <a:prstGeom prst="rect">
             <a:avLst/>
           </a:prstGeom>
         </p:spPr>
       </p:pic>
-      <p:sp>
-        <p:nvSpPr>
-          <p:cNvPr id="10" name="Rectangles 9"/>
-          <p:cNvSpPr/>
+      <p:pic>
+        <p:nvPicPr>
+          <p:cNvPr id="8" name="Picture 7"/>
+          <p:cNvPicPr>
+            <a:picLocks noChangeAspect="1"/>
+          </p:cNvPicPr>
           <p:nvPr/>
-        </p:nvSpPr>
-        <p:spPr>
-          <a:xfrm>
-            <a:off x="0" y="2035175"/>
-            <a:ext cx="6509385" cy="1993900"/>
+        </p:nvPicPr>
+        <p:blipFill>
+          <a:blip r:embed="rId2"/>
+          <a:stretch>
+            <a:fillRect/>
+          </a:stretch>
+        </p:blipFill>
+        <p:spPr>
+          <a:xfrm>
+            <a:off x="847090" y="1857375"/>
+            <a:ext cx="4713605" cy="3190875"/>
           </a:xfrm>
           <a:prstGeom prst="rect">
             <a:avLst/>
           </a:prstGeom>
         </p:spPr>
-        <p:style>
-          <a:lnRef idx="2">
-            <a:schemeClr val="accent1">
-              <a:lumMod val="75000"/>
-            </a:schemeClr>
-          </a:lnRef>
-          <a:fillRef idx="1">
-            <a:schemeClr val="accent1"/>
-          </a:fillRef>
-          <a:effectRef idx="0">
-            <a:srgbClr val="FFFFFF"/>
-          </a:effectRef>
-          <a:fontRef idx="minor">
-            <a:schemeClr val="lt1"/>
-          </a:fontRef>
-        </p:style>
-        <p:txBody>
-          <a:bodyPr rtlCol="0" anchor="ctr"/>
-          <a:p>
-            <a:pPr algn="l"/>
-            <a:r>
-              <a:rPr lang="en-US" altLang="en-US"/>
-              <a:t>Middleware trong Next.js là một chức n</a:t>
-            </a:r>
-            <a:r>
-              <a:rPr lang="en-US" altLang="en-US"/>
-              <a:t>ă</a:t>
-            </a:r>
-            <a:r>
-              <a:rPr lang="en-US" altLang="en-US"/>
-              <a:t>ng chạy tr</a:t>
-            </a:r>
-            <a:r>
-              <a:rPr lang="en-US" altLang="en-US"/>
-              <a:t>ư</a:t>
-            </a:r>
-            <a:r>
-              <a:rPr lang="en-US" altLang="en-US"/>
-              <a:t>ớc khi request </a:t>
-            </a:r>
-            <a:r>
-              <a:rPr lang="en-US" altLang="en-US"/>
+      </p:pic>
+      <p:sp>
+        <p:nvSpPr>
+          <p:cNvPr id="9" name="Text Box 8"/>
+          <p:cNvSpPr txBox="1"/>
+          <p:nvPr/>
+        </p:nvSpPr>
+        <p:spPr>
+          <a:xfrm>
+            <a:off x="5560060" y="2314575"/>
+            <a:ext cx="6182360" cy="829945"/>
+          </a:xfrm>
+          <a:prstGeom prst="rect">
+            <a:avLst/>
+          </a:prstGeom>
+          <a:noFill/>
+        </p:spPr>
+        <p:txBody>
+          <a:bodyPr wrap="square" rtlCol="0" anchor="t">
+            <a:spAutoFit/>
+          </a:bodyPr>
+          <a:p>
+            <a:r>
+              <a:rPr lang="en-US" altLang="en-US" sz="1200">
+                <a:sym typeface="+mn-ea"/>
+              </a:rPr>
+              <a:t>dispatch </a:t>
+            </a:r>
+            <a:r>
+              <a:rPr lang="" altLang="en-US" sz="1200">
+                <a:sym typeface="+mn-ea"/>
+              </a:rPr>
+              <a:t>đư</a:t>
+            </a:r>
+            <a:r>
+              <a:rPr lang="en-US" altLang="en-US" sz="1200">
+                <a:sym typeface="+mn-ea"/>
+              </a:rPr>
+              <a:t>ợc lấy từ useDispatch().</a:t>
+            </a:r>
+            <a:endParaRPr lang="en-US" altLang="en-US" sz="1200">
+              <a:sym typeface="+mn-ea"/>
+            </a:endParaRPr>
+          </a:p>
+          <a:p>
+            <a:r>
+              <a:rPr lang="en-US" altLang="en-US" sz="1200">
+                <a:sym typeface="+mn-ea"/>
+              </a:rPr>
+              <a:t>Dùng dispatch(searchMemberAction(params)) </a:t>
+            </a:r>
+            <a:r>
+              <a:rPr lang="" altLang="en-US" sz="1200">
+                <a:sym typeface="+mn-ea"/>
+              </a:rPr>
               <a:t>đ</a:t>
             </a:r>
             <a:r>
-              <a:rPr lang="en-US" altLang="en-US"/>
-              <a:t>ến API hoặc trang của ứng dụng. Nó có thể </a:t>
-            </a:r>
-            <a:r>
-              <a:rPr lang="en-US" altLang="en-US"/>
-              <a:t>đư</a:t>
-            </a:r>
-            <a:r>
-              <a:rPr lang="en-US" altLang="en-US"/>
-              <a:t>ợc sử dụng </a:t>
-            </a:r>
-            <a:r>
-              <a:rPr lang="en-US" altLang="en-US"/>
-              <a:t>đ</a:t>
-            </a:r>
-            <a:r>
-              <a:rPr lang="en-US" altLang="en-US"/>
-              <a:t>ể xác thực (authentication), chuyển h</a:t>
-            </a:r>
-            <a:r>
-              <a:rPr lang="en-US" altLang="en-US"/>
-              <a:t>ư</a:t>
-            </a:r>
-            <a:r>
-              <a:rPr lang="en-US" altLang="en-US"/>
-              <a:t>ớng (redirect) hoặc thay </a:t>
-            </a:r>
-            <a:r>
-              <a:rPr lang="en-US" altLang="en-US"/>
-              <a:t>đ</a:t>
-            </a:r>
-            <a:r>
-              <a:rPr lang="en-US" altLang="en-US"/>
-              <a:t>ổi request/response.</a:t>
-            </a:r>
-            <a:endParaRPr lang="en-US" altLang="en-US"/>
+              <a:rPr lang="en-US" altLang="en-US" sz="1200">
+                <a:sym typeface="+mn-ea"/>
+              </a:rPr>
+              <a:t>ể gửi request tìm kiếm.</a:t>
+            </a:r>
+            <a:endParaRPr lang="en-US" altLang="en-US" sz="1200">
+              <a:sym typeface="+mn-ea"/>
+            </a:endParaRPr>
+          </a:p>
+          <a:p>
+            <a:r>
+              <a:rPr lang="en-US" sz="1200">
+                <a:sym typeface="+mn-ea"/>
+              </a:rPr>
+              <a:t>Gọi action tương tự như trong angular nếu thành công thì dữ liệu sẽ tự động được cập nhập trong biên items ở trên </a:t>
+            </a:r>
+            <a:endParaRPr lang="en-US" sz="1200">
+              <a:sym typeface="+mn-ea"/>
+            </a:endParaRPr>
           </a:p>
         </p:txBody>
       </p:sp>
@@ -4722,27 +4568,38 @@
             <p:ph type="title"/>
           </p:nvPr>
         </p:nvSpPr>
-        <p:spPr/>
-        <p:txBody>
-          <a:bodyPr/>
-          <a:p>
-            <a:r>
-              <a:rPr lang="en-US"/>
-              <a:t>	</a:t>
-            </a:r>
-            <a:endParaRPr lang="en-US"/>
+        <p:spPr>
+          <a:xfrm>
+            <a:off x="428625" y="-150495"/>
+            <a:ext cx="8837295" cy="1227455"/>
+          </a:xfrm>
+        </p:spPr>
+        <p:txBody>
+          <a:bodyPr/>
+          <a:lstStyle/>
+          <a:p>
+            <a:r>
+              <a:rPr lang="en-US" altLang="en-US" sz="1800"/>
+              <a:t>Định nghĩa component sử dụng chung</a:t>
+            </a:r>
+            <a:br>
+              <a:rPr lang="en-US" altLang="en-US" sz="1800"/>
+            </a:br>
+            <a:r>
+              <a:rPr lang="en-US" altLang="en-US" sz="1800"/>
+              <a:t>Định nghĩa props để truyền tham số từ parent --&gt; child</a:t>
+            </a:r>
+            <a:endParaRPr lang="en-US" altLang="en-US" sz="1800"/>
           </a:p>
         </p:txBody>
       </p:sp>
       <p:pic>
         <p:nvPicPr>
-          <p:cNvPr id="4" name="Content Placeholder 3"/>
+          <p:cNvPr id="5" name="Picture 4"/>
           <p:cNvPicPr>
             <a:picLocks noChangeAspect="1"/>
           </p:cNvPicPr>
-          <p:nvPr>
-            <p:ph idx="1"/>
-          </p:nvPr>
+          <p:nvPr/>
         </p:nvPicPr>
         <p:blipFill>
           <a:blip r:embed="rId1"/>
@@ -4752,57 +4609,38 @@
         </p:blipFill>
         <p:spPr>
           <a:xfrm>
-            <a:off x="2047875" y="1825625"/>
-            <a:ext cx="8095615" cy="4351655"/>
+            <a:off x="0" y="691515"/>
+            <a:ext cx="7705725" cy="2152650"/>
           </a:xfrm>
           <a:prstGeom prst="rect">
             <a:avLst/>
           </a:prstGeom>
         </p:spPr>
       </p:pic>
-      <p:sp>
-        <p:nvSpPr>
-          <p:cNvPr id="10" name="Rectangles 9"/>
-          <p:cNvSpPr/>
+      <p:pic>
+        <p:nvPicPr>
+          <p:cNvPr id="7" name="Picture 6"/>
+          <p:cNvPicPr>
+            <a:picLocks noChangeAspect="1"/>
+          </p:cNvPicPr>
           <p:nvPr/>
-        </p:nvSpPr>
-        <p:spPr>
-          <a:xfrm>
-            <a:off x="208915" y="-168275"/>
-            <a:ext cx="6509385" cy="1993900"/>
+        </p:nvPicPr>
+        <p:blipFill>
+          <a:blip r:embed="rId2"/>
+          <a:stretch>
+            <a:fillRect/>
+          </a:stretch>
+        </p:blipFill>
+        <p:spPr>
+          <a:xfrm>
+            <a:off x="428625" y="2772410"/>
+            <a:ext cx="7153275" cy="1495425"/>
           </a:xfrm>
           <a:prstGeom prst="rect">
             <a:avLst/>
           </a:prstGeom>
         </p:spPr>
-        <p:style>
-          <a:lnRef idx="2">
-            <a:schemeClr val="accent1">
-              <a:lumMod val="75000"/>
-            </a:schemeClr>
-          </a:lnRef>
-          <a:fillRef idx="1">
-            <a:schemeClr val="accent1"/>
-          </a:fillRef>
-          <a:effectRef idx="0">
-            <a:srgbClr val="FFFFFF"/>
-          </a:effectRef>
-          <a:fontRef idx="minor">
-            <a:schemeClr val="lt1"/>
-          </a:fontRef>
-        </p:style>
-        <p:txBody>
-          <a:bodyPr rtlCol="0" anchor="ctr"/>
-          <a:p>
-            <a:pPr algn="l"/>
-            <a:r>
-              <a:rPr lang="en-US" altLang="en-US"/>
-              <a:t>Login thành công</a:t>
-            </a:r>
-            <a:endParaRPr lang="en-US" altLang="en-US"/>
-          </a:p>
-        </p:txBody>
-      </p:sp>
+      </p:pic>
     </p:spTree>
   </p:cSld>
   <p:clrMapOvr>
